--- a/ESS_March_2022_IDS_Scipp_McStas_intro/Day2_Thursday_March_17th/06_Choppers_etc/Choppers_and_other_rotating_optics.pptx
+++ b/ESS_March_2022_IDS_Scipp_McStas_intro/Day2_Thursday_March_17th/06_Choppers_etc/Choppers_and_other_rotating_optics.pptx
@@ -19,6 +19,7 @@
     <p:sldId id="264" r:id="rId16"/>
     <p:sldId id="265" r:id="rId17"/>
     <p:sldId id="266" r:id="rId18"/>
+    <p:sldId id="267" r:id="rId19"/>
   </p:sldIdLst>
   <p:sldSz cx="12179300" cy="6858000"/>
   <p:notesSz cx="6858000" cy="9144000"/>
@@ -346,7 +347,7 @@
       </p:grpSpPr>
       <p:sp>
         <p:nvSpPr>
-          <p:cNvPr id="90" name="Shape 90"/>
+          <p:cNvPr id="155" name="Shape 155"/>
           <p:cNvSpPr/>
           <p:nvPr>
             <p:ph type="sldImg"/>
@@ -371,7 +372,7 @@
       </p:sp>
       <p:sp>
         <p:nvSpPr>
-          <p:cNvPr id="91" name="Shape 91"/>
+          <p:cNvPr id="156" name="Shape 156"/>
           <p:cNvSpPr/>
           <p:nvPr>
             <p:ph type="body" sz="quarter" idx="1"/>
@@ -527,7 +528,7 @@
       </p:grpSpPr>
       <p:sp>
         <p:nvSpPr>
-          <p:cNvPr id="11" name="Logo color"/>
+          <p:cNvPr id="16" name="Logo color"/>
           <p:cNvSpPr/>
           <p:nvPr/>
         </p:nvSpPr>
@@ -1010,7 +1011,7 @@
       </p:sp>
       <p:sp>
         <p:nvSpPr>
-          <p:cNvPr id="12" name="Bottom bar"/>
+          <p:cNvPr id="17" name="Bottom bar"/>
           <p:cNvSpPr/>
           <p:nvPr/>
         </p:nvSpPr>
@@ -1048,7 +1049,7 @@
       </p:sp>
       <p:sp>
         <p:nvSpPr>
-          <p:cNvPr id="13" name="UserProfile.Offices.Workarea_{{DocumentLanguage}}text"/>
+          <p:cNvPr id="18" name="UserProfile.Offices.Workarea_{{DocumentLanguage}}text"/>
           <p:cNvSpPr txBox="1"/>
           <p:nvPr/>
         </p:nvSpPr>
@@ -1095,7 +1096,7 @@
       </p:sp>
       <p:sp>
         <p:nvSpPr>
-          <p:cNvPr id="14" name="Top bar"/>
+          <p:cNvPr id="19" name="Top bar"/>
           <p:cNvSpPr/>
           <p:nvPr/>
         </p:nvSpPr>
@@ -1133,7 +1134,7 @@
       </p:sp>
       <p:sp>
         <p:nvSpPr>
-          <p:cNvPr id="15" name="Logo white"/>
+          <p:cNvPr id="20" name="Logo white"/>
           <p:cNvSpPr/>
           <p:nvPr/>
         </p:nvSpPr>
@@ -1616,7 +1617,7 @@
       </p:sp>
       <p:sp>
         <p:nvSpPr>
-          <p:cNvPr id="16" name="Title Text"/>
+          <p:cNvPr id="21" name="Title Text"/>
           <p:cNvSpPr txBox="1"/>
           <p:nvPr>
             <p:ph type="title"/>
@@ -1657,7 +1658,7 @@
       </p:sp>
       <p:sp>
         <p:nvSpPr>
-          <p:cNvPr id="17" name="Body Level One…"/>
+          <p:cNvPr id="22" name="Body Level One…"/>
           <p:cNvSpPr txBox="1"/>
           <p:nvPr>
             <p:ph type="body" sz="half" idx="1"/>
@@ -1779,7 +1780,7 @@
       </p:sp>
       <p:sp>
         <p:nvSpPr>
-          <p:cNvPr id="18" name="Slide Number"/>
+          <p:cNvPr id="23" name="Slide Number"/>
           <p:cNvSpPr txBox="1"/>
           <p:nvPr>
             <p:ph type="sldNum" sz="quarter" idx="2"/>
@@ -1827,7 +1828,7 @@
       </p:grpSpPr>
       <p:sp>
         <p:nvSpPr>
-          <p:cNvPr id="68" name="Background"/>
+          <p:cNvPr id="118" name="Background"/>
           <p:cNvSpPr/>
           <p:nvPr/>
         </p:nvSpPr>
@@ -1856,7 +1857,7 @@
       </p:sp>
       <p:sp>
         <p:nvSpPr>
-          <p:cNvPr id="69" name="Slide Number"/>
+          <p:cNvPr id="119" name="Slide Number"/>
           <p:cNvSpPr txBox="1"/>
           <p:nvPr>
             <p:ph type="sldNum" sz="quarter" idx="2"/>
@@ -1890,7 +1891,7 @@
       </p:sp>
       <p:sp>
         <p:nvSpPr>
-          <p:cNvPr id="70" name="Logo color"/>
+          <p:cNvPr id="120" name="Logo color"/>
           <p:cNvSpPr/>
           <p:nvPr/>
         </p:nvSpPr>
@@ -2399,7 +2400,7 @@
       </p:grpSpPr>
       <p:sp>
         <p:nvSpPr>
-          <p:cNvPr id="72" name="Logo color"/>
+          <p:cNvPr id="127" name="Logo color"/>
           <p:cNvSpPr/>
           <p:nvPr/>
         </p:nvSpPr>
@@ -2882,7 +2883,7 @@
       </p:sp>
       <p:sp>
         <p:nvSpPr>
-          <p:cNvPr id="73" name="Bottom bar"/>
+          <p:cNvPr id="128" name="Bottom bar"/>
           <p:cNvSpPr/>
           <p:nvPr/>
         </p:nvSpPr>
@@ -2920,7 +2921,7 @@
       </p:sp>
       <p:sp>
         <p:nvSpPr>
-          <p:cNvPr id="74" name="UserProfile.Offices.Workarea_{{DocumentLanguage}}text"/>
+          <p:cNvPr id="129" name="UserProfile.Offices.Workarea_{{DocumentLanguage}}text"/>
           <p:cNvSpPr txBox="1"/>
           <p:nvPr/>
         </p:nvSpPr>
@@ -2967,7 +2968,7 @@
       </p:sp>
       <p:sp>
         <p:nvSpPr>
-          <p:cNvPr id="75" name="Form.Datedate"/>
+          <p:cNvPr id="130" name="Form.Datedate"/>
           <p:cNvSpPr txBox="1"/>
           <p:nvPr/>
         </p:nvSpPr>
@@ -3014,7 +3015,7 @@
       </p:sp>
       <p:sp>
         <p:nvSpPr>
-          <p:cNvPr id="76" name="Top bar"/>
+          <p:cNvPr id="131" name="Top bar"/>
           <p:cNvSpPr/>
           <p:nvPr/>
         </p:nvSpPr>
@@ -3052,7 +3053,7 @@
       </p:sp>
       <p:sp>
         <p:nvSpPr>
-          <p:cNvPr id="77" name="Background"/>
+          <p:cNvPr id="132" name="Background"/>
           <p:cNvSpPr/>
           <p:nvPr/>
         </p:nvSpPr>
@@ -3081,7 +3082,7 @@
       </p:sp>
       <p:sp>
         <p:nvSpPr>
-          <p:cNvPr id="78" name="Logo color"/>
+          <p:cNvPr id="133" name="Logo color"/>
           <p:cNvSpPr/>
           <p:nvPr/>
         </p:nvSpPr>
@@ -3564,7 +3565,7 @@
       </p:sp>
       <p:sp>
         <p:nvSpPr>
-          <p:cNvPr id="79" name="Slide Number"/>
+          <p:cNvPr id="134" name="Slide Number"/>
           <p:cNvSpPr txBox="1"/>
           <p:nvPr>
             <p:ph type="sldNum" sz="quarter" idx="2"/>
@@ -3598,7 +3599,7 @@
       </p:sp>
       <p:sp>
         <p:nvSpPr>
-          <p:cNvPr id="80" name="Bottom bar"/>
+          <p:cNvPr id="135" name="Bottom bar"/>
           <p:cNvSpPr/>
           <p:nvPr/>
         </p:nvSpPr>
@@ -3636,7 +3637,7 @@
       </p:sp>
       <p:sp>
         <p:nvSpPr>
-          <p:cNvPr id="81" name="Top bar"/>
+          <p:cNvPr id="136" name="Top bar"/>
           <p:cNvSpPr/>
           <p:nvPr/>
         </p:nvSpPr>
@@ -3674,7 +3675,7 @@
       </p:sp>
       <p:pic>
         <p:nvPicPr>
-          <p:cNvPr id="82" name="Image" descr="Image"/>
+          <p:cNvPr id="137" name="Image" descr="Image"/>
           <p:cNvPicPr>
             <a:picLocks noChangeAspect="1"/>
           </p:cNvPicPr>
@@ -3729,7 +3730,7 @@
       </p:grpSpPr>
       <p:sp>
         <p:nvSpPr>
-          <p:cNvPr id="84" name="CustomShape 10"/>
+          <p:cNvPr id="144" name="CustomShape 10"/>
           <p:cNvSpPr/>
           <p:nvPr/>
         </p:nvSpPr>
@@ -4210,7 +4211,7 @@
       </p:sp>
       <p:sp>
         <p:nvSpPr>
-          <p:cNvPr id="85" name="CustomShape 11"/>
+          <p:cNvPr id="145" name="CustomShape 11"/>
           <p:cNvSpPr/>
           <p:nvPr/>
         </p:nvSpPr>
@@ -4244,7 +4245,7 @@
       </p:sp>
       <p:sp>
         <p:nvSpPr>
-          <p:cNvPr id="86" name="CustomShape 14"/>
+          <p:cNvPr id="146" name="CustomShape 14"/>
           <p:cNvSpPr/>
           <p:nvPr/>
         </p:nvSpPr>
@@ -4278,7 +4279,7 @@
       </p:sp>
       <p:sp>
         <p:nvSpPr>
-          <p:cNvPr id="87" name="UserProfile.Offices.Workarea_{{DocumentLanguage}}text"/>
+          <p:cNvPr id="147" name="UserProfile.Offices.Workarea_{{DocumentLanguage}}text"/>
           <p:cNvSpPr txBox="1"/>
           <p:nvPr/>
         </p:nvSpPr>
@@ -4325,7 +4326,7 @@
       </p:sp>
       <p:pic>
         <p:nvPicPr>
-          <p:cNvPr id="88" name="Image" descr="Image"/>
+          <p:cNvPr id="148" name="Image" descr="Image"/>
           <p:cNvPicPr>
             <a:picLocks noChangeAspect="1"/>
           </p:cNvPicPr>
@@ -4354,7 +4355,7 @@
       </p:pic>
       <p:sp>
         <p:nvSpPr>
-          <p:cNvPr id="89" name="Slide Number"/>
+          <p:cNvPr id="149" name="Slide Number"/>
           <p:cNvSpPr txBox="1"/>
           <p:nvPr>
             <p:ph type="sldNum" sz="quarter" idx="2"/>
@@ -4417,7 +4418,7 @@
       </p:grpSpPr>
       <p:sp>
         <p:nvSpPr>
-          <p:cNvPr id="20" name="Logo color"/>
+          <p:cNvPr id="30" name="Logo color"/>
           <p:cNvSpPr/>
           <p:nvPr/>
         </p:nvSpPr>
@@ -4900,7 +4901,7 @@
       </p:sp>
       <p:sp>
         <p:nvSpPr>
-          <p:cNvPr id="21" name="Bottom bar"/>
+          <p:cNvPr id="31" name="Bottom bar"/>
           <p:cNvSpPr/>
           <p:nvPr/>
         </p:nvSpPr>
@@ -4938,7 +4939,7 @@
       </p:sp>
       <p:sp>
         <p:nvSpPr>
-          <p:cNvPr id="22" name="UserProfile.Offices.Workarea_{{DocumentLanguage}}text"/>
+          <p:cNvPr id="32" name="UserProfile.Offices.Workarea_{{DocumentLanguage}}text"/>
           <p:cNvSpPr txBox="1"/>
           <p:nvPr/>
         </p:nvSpPr>
@@ -4985,7 +4986,7 @@
       </p:sp>
       <p:sp>
         <p:nvSpPr>
-          <p:cNvPr id="23" name="Top bar"/>
+          <p:cNvPr id="33" name="Top bar"/>
           <p:cNvSpPr/>
           <p:nvPr/>
         </p:nvSpPr>
@@ -5023,7 +5024,7 @@
       </p:sp>
       <p:sp>
         <p:nvSpPr>
-          <p:cNvPr id="24" name="Title Text"/>
+          <p:cNvPr id="34" name="Title Text"/>
           <p:cNvSpPr txBox="1"/>
           <p:nvPr>
             <p:ph type="title"/>
@@ -5060,7 +5061,7 @@
       </p:sp>
       <p:sp>
         <p:nvSpPr>
-          <p:cNvPr id="25" name="Body Level One…"/>
+          <p:cNvPr id="35" name="Body Level One…"/>
           <p:cNvSpPr txBox="1"/>
           <p:nvPr>
             <p:ph type="body" sz="half" idx="1"/>
@@ -5162,7 +5163,7 @@
       </p:sp>
       <p:sp>
         <p:nvSpPr>
-          <p:cNvPr id="26" name="Slide Number"/>
+          <p:cNvPr id="36" name="Slide Number"/>
           <p:cNvSpPr txBox="1"/>
           <p:nvPr>
             <p:ph type="sldNum" sz="quarter" idx="2"/>
@@ -5184,7 +5185,7 @@
       </p:sp>
       <p:pic>
         <p:nvPicPr>
-          <p:cNvPr id="27" name="Image" descr="Image"/>
+          <p:cNvPr id="37" name="Image" descr="Image"/>
           <p:cNvPicPr>
             <a:picLocks noChangeAspect="1"/>
           </p:cNvPicPr>
@@ -5239,7 +5240,7 @@
       </p:grpSpPr>
       <p:sp>
         <p:nvSpPr>
-          <p:cNvPr id="29" name="Logo color"/>
+          <p:cNvPr id="44" name="Logo color"/>
           <p:cNvSpPr/>
           <p:nvPr/>
         </p:nvSpPr>
@@ -5722,7 +5723,7 @@
       </p:sp>
       <p:sp>
         <p:nvSpPr>
-          <p:cNvPr id="30" name="Bottom bar"/>
+          <p:cNvPr id="45" name="Bottom bar"/>
           <p:cNvSpPr/>
           <p:nvPr/>
         </p:nvSpPr>
@@ -5760,7 +5761,7 @@
       </p:sp>
       <p:sp>
         <p:nvSpPr>
-          <p:cNvPr id="31" name="UserProfile.Offices.Workarea_{{DocumentLanguage}}text"/>
+          <p:cNvPr id="46" name="UserProfile.Offices.Workarea_{{DocumentLanguage}}text"/>
           <p:cNvSpPr txBox="1"/>
           <p:nvPr/>
         </p:nvSpPr>
@@ -5807,7 +5808,7 @@
       </p:sp>
       <p:sp>
         <p:nvSpPr>
-          <p:cNvPr id="32" name="Top bar"/>
+          <p:cNvPr id="47" name="Top bar"/>
           <p:cNvSpPr/>
           <p:nvPr/>
         </p:nvSpPr>
@@ -5845,7 +5846,7 @@
       </p:sp>
       <p:sp>
         <p:nvSpPr>
-          <p:cNvPr id="33" name="Title Text"/>
+          <p:cNvPr id="48" name="Title Text"/>
           <p:cNvSpPr txBox="1"/>
           <p:nvPr>
             <p:ph type="title"/>
@@ -5875,7 +5876,7 @@
       </p:sp>
       <p:sp>
         <p:nvSpPr>
-          <p:cNvPr id="34" name="Body Level One…"/>
+          <p:cNvPr id="49" name="Body Level One…"/>
           <p:cNvSpPr txBox="1"/>
           <p:nvPr>
             <p:ph type="body" idx="1"/>
@@ -5929,7 +5930,7 @@
       </p:sp>
       <p:sp>
         <p:nvSpPr>
-          <p:cNvPr id="35" name="Slide Number"/>
+          <p:cNvPr id="50" name="Slide Number"/>
           <p:cNvSpPr txBox="1"/>
           <p:nvPr>
             <p:ph type="sldNum" sz="quarter" idx="2"/>
@@ -5951,7 +5952,7 @@
       </p:sp>
       <p:pic>
         <p:nvPicPr>
-          <p:cNvPr id="36" name="Image" descr="Image"/>
+          <p:cNvPr id="51" name="Image" descr="Image"/>
           <p:cNvPicPr>
             <a:picLocks noChangeAspect="1"/>
           </p:cNvPicPr>
@@ -6006,7 +6007,7 @@
       </p:grpSpPr>
       <p:sp>
         <p:nvSpPr>
-          <p:cNvPr id="38" name="Title Text"/>
+          <p:cNvPr id="58" name="Title Text"/>
           <p:cNvSpPr txBox="1"/>
           <p:nvPr>
             <p:ph type="title"/>
@@ -6036,7 +6037,7 @@
       </p:sp>
       <p:sp>
         <p:nvSpPr>
-          <p:cNvPr id="39" name="Body Level One…"/>
+          <p:cNvPr id="59" name="Body Level One…"/>
           <p:cNvSpPr txBox="1"/>
           <p:nvPr>
             <p:ph type="body" sz="half" idx="1"/>
@@ -6090,7 +6091,7 @@
       </p:sp>
       <p:sp>
         <p:nvSpPr>
-          <p:cNvPr id="40" name="Slide Number"/>
+          <p:cNvPr id="60" name="Slide Number"/>
           <p:cNvSpPr txBox="1"/>
           <p:nvPr>
             <p:ph type="sldNum" sz="quarter" idx="2"/>
@@ -6138,7 +6139,7 @@
       </p:grpSpPr>
       <p:sp>
         <p:nvSpPr>
-          <p:cNvPr id="42" name="Title Text"/>
+          <p:cNvPr id="67" name="Title Text"/>
           <p:cNvSpPr txBox="1"/>
           <p:nvPr>
             <p:ph type="title"/>
@@ -6168,7 +6169,7 @@
       </p:sp>
       <p:sp>
         <p:nvSpPr>
-          <p:cNvPr id="43" name="Body Level One…"/>
+          <p:cNvPr id="68" name="Body Level One…"/>
           <p:cNvSpPr txBox="1"/>
           <p:nvPr>
             <p:ph type="body" sz="half" idx="1"/>
@@ -6222,7 +6223,7 @@
       </p:sp>
       <p:sp>
         <p:nvSpPr>
-          <p:cNvPr id="44" name="Picture Placeholder 9"/>
+          <p:cNvPr id="69" name="Picture Placeholder 9"/>
           <p:cNvSpPr/>
           <p:nvPr>
             <p:ph type="pic" sz="quarter" idx="21"/>
@@ -6247,7 +6248,7 @@
       </p:sp>
       <p:sp>
         <p:nvSpPr>
-          <p:cNvPr id="45" name="Picture Placeholder 11"/>
+          <p:cNvPr id="70" name="Picture Placeholder 11"/>
           <p:cNvSpPr/>
           <p:nvPr>
             <p:ph type="pic" sz="quarter" idx="22"/>
@@ -6272,7 +6273,7 @@
       </p:sp>
       <p:sp>
         <p:nvSpPr>
-          <p:cNvPr id="46" name="Slide Number"/>
+          <p:cNvPr id="71" name="Slide Number"/>
           <p:cNvSpPr txBox="1"/>
           <p:nvPr>
             <p:ph type="sldNum" sz="quarter" idx="2"/>
@@ -6320,7 +6321,7 @@
       </p:grpSpPr>
       <p:sp>
         <p:nvSpPr>
-          <p:cNvPr id="48" name="Title Text"/>
+          <p:cNvPr id="78" name="Title Text"/>
           <p:cNvSpPr txBox="1"/>
           <p:nvPr>
             <p:ph type="title"/>
@@ -6350,7 +6351,7 @@
       </p:sp>
       <p:sp>
         <p:nvSpPr>
-          <p:cNvPr id="49" name="Body Level One…"/>
+          <p:cNvPr id="79" name="Body Level One…"/>
           <p:cNvSpPr txBox="1"/>
           <p:nvPr>
             <p:ph type="body" sz="half" idx="1"/>
@@ -6404,7 +6405,7 @@
       </p:sp>
       <p:sp>
         <p:nvSpPr>
-          <p:cNvPr id="50" name="Picture Placeholder 9"/>
+          <p:cNvPr id="80" name="Picture Placeholder 9"/>
           <p:cNvSpPr/>
           <p:nvPr>
             <p:ph type="pic" sz="quarter" idx="21"/>
@@ -6429,7 +6430,7 @@
       </p:sp>
       <p:sp>
         <p:nvSpPr>
-          <p:cNvPr id="51" name="Picture Placeholder 11"/>
+          <p:cNvPr id="81" name="Picture Placeholder 11"/>
           <p:cNvSpPr/>
           <p:nvPr>
             <p:ph type="pic" sz="quarter" idx="22"/>
@@ -6454,7 +6455,7 @@
       </p:sp>
       <p:sp>
         <p:nvSpPr>
-          <p:cNvPr id="52" name="Slide Number"/>
+          <p:cNvPr id="82" name="Slide Number"/>
           <p:cNvSpPr txBox="1"/>
           <p:nvPr>
             <p:ph type="sldNum" sz="quarter" idx="2"/>
@@ -6502,7 +6503,7 @@
       </p:grpSpPr>
       <p:sp>
         <p:nvSpPr>
-          <p:cNvPr id="54" name="Title Text"/>
+          <p:cNvPr id="89" name="Title Text"/>
           <p:cNvSpPr txBox="1"/>
           <p:nvPr>
             <p:ph type="title"/>
@@ -6536,7 +6537,7 @@
       </p:sp>
       <p:sp>
         <p:nvSpPr>
-          <p:cNvPr id="55" name="Body Level One…"/>
+          <p:cNvPr id="90" name="Body Level One…"/>
           <p:cNvSpPr txBox="1"/>
           <p:nvPr>
             <p:ph type="body" sz="quarter" idx="1"/>
@@ -6621,7 +6622,7 @@
       </p:sp>
       <p:sp>
         <p:nvSpPr>
-          <p:cNvPr id="56" name="Text Placeholder 18"/>
+          <p:cNvPr id="91" name="Text Placeholder 18"/>
           <p:cNvSpPr/>
           <p:nvPr>
             <p:ph type="body" sz="quarter" idx="21"/>
@@ -6655,7 +6656,7 @@
       </p:sp>
       <p:sp>
         <p:nvSpPr>
-          <p:cNvPr id="57" name="Text Placeholder 22"/>
+          <p:cNvPr id="92" name="Text Placeholder 22"/>
           <p:cNvSpPr/>
           <p:nvPr>
             <p:ph type="body" sz="quarter" idx="22"/>
@@ -6689,7 +6690,7 @@
       </p:sp>
       <p:sp>
         <p:nvSpPr>
-          <p:cNvPr id="58" name="Picture Placeholder 8"/>
+          <p:cNvPr id="93" name="Picture Placeholder 8"/>
           <p:cNvSpPr/>
           <p:nvPr>
             <p:ph type="pic" sz="quarter" idx="23"/>
@@ -6714,7 +6715,7 @@
       </p:sp>
       <p:sp>
         <p:nvSpPr>
-          <p:cNvPr id="59" name="Picture Placeholder 8"/>
+          <p:cNvPr id="94" name="Picture Placeholder 8"/>
           <p:cNvSpPr/>
           <p:nvPr>
             <p:ph type="pic" sz="quarter" idx="24"/>
@@ -6739,7 +6740,7 @@
       </p:sp>
       <p:sp>
         <p:nvSpPr>
-          <p:cNvPr id="60" name="Picture Placeholder 8"/>
+          <p:cNvPr id="95" name="Picture Placeholder 8"/>
           <p:cNvSpPr/>
           <p:nvPr>
             <p:ph type="pic" sz="quarter" idx="25"/>
@@ -6764,7 +6765,7 @@
       </p:sp>
       <p:sp>
         <p:nvSpPr>
-          <p:cNvPr id="61" name="Slide Number"/>
+          <p:cNvPr id="96" name="Slide Number"/>
           <p:cNvSpPr txBox="1"/>
           <p:nvPr>
             <p:ph type="sldNum" sz="quarter" idx="2"/>
@@ -6812,7 +6813,7 @@
       </p:grpSpPr>
       <p:sp>
         <p:nvSpPr>
-          <p:cNvPr id="63" name="Title Text"/>
+          <p:cNvPr id="103" name="Title Text"/>
           <p:cNvSpPr txBox="1"/>
           <p:nvPr>
             <p:ph type="title"/>
@@ -6842,7 +6843,7 @@
       </p:sp>
       <p:sp>
         <p:nvSpPr>
-          <p:cNvPr id="64" name="Slide Number"/>
+          <p:cNvPr id="104" name="Slide Number"/>
           <p:cNvSpPr txBox="1"/>
           <p:nvPr>
             <p:ph type="sldNum" sz="quarter" idx="2"/>
@@ -6890,7 +6891,7 @@
       </p:grpSpPr>
       <p:sp>
         <p:nvSpPr>
-          <p:cNvPr id="66" name="Slide Number"/>
+          <p:cNvPr id="111" name="Slide Number"/>
           <p:cNvSpPr txBox="1"/>
           <p:nvPr>
             <p:ph type="sldNum" sz="quarter" idx="2"/>
@@ -8466,7 +8467,7 @@
       </p:grpSpPr>
       <p:sp>
         <p:nvSpPr>
-          <p:cNvPr id="93" name="TextBox 1"/>
+          <p:cNvPr id="158" name="TextBox 1"/>
           <p:cNvSpPr txBox="1"/>
           <p:nvPr/>
         </p:nvSpPr>
@@ -8580,7 +8581,7 @@
       </p:sp>
       <p:sp>
         <p:nvSpPr>
-          <p:cNvPr id="94" name="Rounded Rectangle 2"/>
+          <p:cNvPr id="159" name="Rounded Rectangle 2"/>
           <p:cNvSpPr/>
           <p:nvPr/>
         </p:nvSpPr>
@@ -8644,7 +8645,7 @@
       </p:sp>
       <p:sp>
         <p:nvSpPr>
-          <p:cNvPr id="95" name="Rounded Rectangle 3"/>
+          <p:cNvPr id="160" name="Rounded Rectangle 3"/>
           <p:cNvSpPr/>
           <p:nvPr/>
         </p:nvSpPr>
@@ -8708,7 +8709,7 @@
       </p:sp>
       <p:sp>
         <p:nvSpPr>
-          <p:cNvPr id="96" name="Rounded Rectangle 4"/>
+          <p:cNvPr id="161" name="Rounded Rectangle 4"/>
           <p:cNvSpPr/>
           <p:nvPr/>
         </p:nvSpPr>
@@ -8772,7 +8773,7 @@
       </p:sp>
       <p:sp>
         <p:nvSpPr>
-          <p:cNvPr id="97" name="Rounded Rectangle 5"/>
+          <p:cNvPr id="162" name="Rounded Rectangle 5"/>
           <p:cNvSpPr/>
           <p:nvPr/>
         </p:nvSpPr>
@@ -8836,7 +8837,7 @@
       </p:sp>
       <p:sp>
         <p:nvSpPr>
-          <p:cNvPr id="98" name="Rectangle 6"/>
+          <p:cNvPr id="163" name="Rectangle 6"/>
           <p:cNvSpPr/>
           <p:nvPr/>
         </p:nvSpPr>
@@ -8884,28 +8885,7 @@
       </p:sp>
       <p:sp>
         <p:nvSpPr>
-          <p:cNvPr id="99" name="Title 12"/>
-          <p:cNvSpPr txBox="1"/>
-          <p:nvPr>
-            <p:ph type="title"/>
-          </p:nvPr>
-        </p:nvSpPr>
-        <p:spPr>
-          <a:prstGeom prst="rect">
-            <a:avLst/>
-          </a:prstGeom>
-        </p:spPr>
-        <p:txBody>
-          <a:bodyPr/>
-          <a:lstStyle/>
-          <a:p>
-            <a:pPr/>
-          </a:p>
-        </p:txBody>
-      </p:sp>
-      <p:sp>
-        <p:nvSpPr>
-          <p:cNvPr id="100" name="Slide Number"/>
+          <p:cNvPr id="164" name="Slide Number"/>
           <p:cNvSpPr txBox="1"/>
           <p:nvPr>
             <p:ph type="sldNum" sz="quarter" idx="2"/>
@@ -8958,7 +8938,7 @@
       </p:grpSpPr>
       <p:sp>
         <p:nvSpPr>
-          <p:cNvPr id="163" name="Slide Number"/>
+          <p:cNvPr id="229" name="Slide Number"/>
           <p:cNvSpPr txBox="1"/>
           <p:nvPr>
             <p:ph type="sldNum" sz="quarter" idx="2"/>
@@ -8985,14 +8965,14 @@
       </p:sp>
       <p:sp>
         <p:nvSpPr>
-          <p:cNvPr id="164" name="Shape 83"/>
+          <p:cNvPr id="230" name="Title 1"/>
           <p:cNvSpPr txBox="1"/>
           <p:nvPr/>
         </p:nvSpPr>
         <p:spPr>
           <a:xfrm>
-            <a:off x="1796196" y="161364"/>
-            <a:ext cx="7745507" cy="864573"/>
+            <a:off x="1519571" y="110814"/>
+            <a:ext cx="8232759" cy="421844"/>
           </a:xfrm>
           <a:prstGeom prst="rect">
             <a:avLst/>
@@ -9007,38 +8987,30 @@
           </a:extLst>
         </p:spPr>
         <p:txBody>
-          <a:bodyPr lIns="46104" tIns="46104" rIns="46104" bIns="46104">
+          <a:bodyPr lIns="0" tIns="0" rIns="0" bIns="0">
             <a:spAutoFit/>
           </a:bodyPr>
-          <a:lstStyle/>
-          <a:p>
-            <a:pPr>
-              <a:defRPr>
-                <a:latin typeface="Helvetica Neue"/>
-                <a:ea typeface="Helvetica Neue"/>
-                <a:cs typeface="Helvetica Neue"/>
-                <a:sym typeface="Helvetica Neue"/>
-              </a:defRPr>
-            </a:pPr>
-          </a:p>
-          <a:p>
-            <a:pPr>
+          <a:lstStyle>
+            <a:lvl1pPr>
               <a:defRPr sz="2800">
                 <a:latin typeface="Helvetica Neue"/>
                 <a:ea typeface="Helvetica Neue"/>
                 <a:cs typeface="Helvetica Neue"/>
                 <a:sym typeface="Helvetica Neue"/>
               </a:defRPr>
-            </a:pPr>
+            </a:lvl1pPr>
+          </a:lstStyle>
+          <a:p>
+            <a:pPr/>
             <a:r>
-              <a:t>DISK CHOPPER_S</a:t>
+              <a:t>DISK CHOPPER</a:t>
             </a:r>
           </a:p>
         </p:txBody>
       </p:sp>
       <p:pic>
         <p:nvPicPr>
-          <p:cNvPr id="165" name="DiskChop2.pdf" descr="DiskChop2.pdf"/>
+          <p:cNvPr id="231" name="Screenshot 2022-03-16 at 21.09.23.png" descr="Screenshot 2022-03-16 at 21.09.23.png"/>
           <p:cNvPicPr>
             <a:picLocks noChangeAspect="1"/>
           </p:cNvPicPr>
@@ -9054,8 +9026,8 @@
         </p:blipFill>
         <p:spPr>
           <a:xfrm>
-            <a:off x="2222660" y="2189949"/>
-            <a:ext cx="7295991" cy="3849702"/>
+            <a:off x="1125316" y="1065600"/>
+            <a:ext cx="10350501" cy="5422901"/>
           </a:xfrm>
           <a:prstGeom prst="rect">
             <a:avLst/>
@@ -9093,7 +9065,7 @@
       </p:grpSpPr>
       <p:sp>
         <p:nvSpPr>
-          <p:cNvPr id="167" name="Slide Number"/>
+          <p:cNvPr id="233" name="Slide Number"/>
           <p:cNvSpPr txBox="1"/>
           <p:nvPr>
             <p:ph type="sldNum" sz="quarter" idx="2"/>
@@ -9120,7 +9092,142 @@
       </p:sp>
       <p:sp>
         <p:nvSpPr>
-          <p:cNvPr id="168" name="Shape 125"/>
+          <p:cNvPr id="234" name="Shape 83"/>
+          <p:cNvSpPr txBox="1"/>
+          <p:nvPr/>
+        </p:nvSpPr>
+        <p:spPr>
+          <a:xfrm>
+            <a:off x="1796196" y="161364"/>
+            <a:ext cx="7745507" cy="864573"/>
+          </a:xfrm>
+          <a:prstGeom prst="rect">
+            <a:avLst/>
+          </a:prstGeom>
+          <a:ln w="12700">
+            <a:miter lim="400000"/>
+          </a:ln>
+          <a:extLst>
+            <a:ext uri="{C572A759-6A51-4108-AA02-DFA0A04FC94B}">
+              <ma14:wrappingTextBoxFlag xmlns:ma14="http://schemas.microsoft.com/office/mac/drawingml/2011/main" val="1"/>
+            </a:ext>
+          </a:extLst>
+        </p:spPr>
+        <p:txBody>
+          <a:bodyPr lIns="46104" tIns="46104" rIns="46104" bIns="46104">
+            <a:spAutoFit/>
+          </a:bodyPr>
+          <a:lstStyle/>
+          <a:p>
+            <a:pPr>
+              <a:defRPr>
+                <a:latin typeface="Helvetica Neue"/>
+                <a:ea typeface="Helvetica Neue"/>
+                <a:cs typeface="Helvetica Neue"/>
+                <a:sym typeface="Helvetica Neue"/>
+              </a:defRPr>
+            </a:pPr>
+          </a:p>
+          <a:p>
+            <a:pPr>
+              <a:defRPr sz="2800">
+                <a:latin typeface="Helvetica Neue"/>
+                <a:ea typeface="Helvetica Neue"/>
+                <a:cs typeface="Helvetica Neue"/>
+                <a:sym typeface="Helvetica Neue"/>
+              </a:defRPr>
+            </a:pPr>
+            <a:r>
+              <a:t>DISK CHOPPER_S</a:t>
+            </a:r>
+          </a:p>
+        </p:txBody>
+      </p:sp>
+      <p:pic>
+        <p:nvPicPr>
+          <p:cNvPr id="235" name="DiskChop2.pdf" descr="DiskChop2.pdf"/>
+          <p:cNvPicPr>
+            <a:picLocks noChangeAspect="1"/>
+          </p:cNvPicPr>
+          <p:nvPr/>
+        </p:nvPicPr>
+        <p:blipFill>
+          <a:blip r:embed="rId2">
+            <a:extLst/>
+          </a:blip>
+          <a:stretch>
+            <a:fillRect/>
+          </a:stretch>
+        </p:blipFill>
+        <p:spPr>
+          <a:xfrm>
+            <a:off x="2222660" y="2189949"/>
+            <a:ext cx="7295991" cy="3849702"/>
+          </a:xfrm>
+          <a:prstGeom prst="rect">
+            <a:avLst/>
+          </a:prstGeom>
+          <a:ln w="12700">
+            <a:miter lim="400000"/>
+          </a:ln>
+        </p:spPr>
+      </p:pic>
+    </p:spTree>
+  </p:cSld>
+  <p:clrMapOvr>
+    <a:masterClrMapping/>
+  </p:clrMapOvr>
+  <p:transition xmlns:p14="http://schemas.microsoft.com/office/powerpoint/2010/main" spd="med" advClick="1"/>
+</p:sld>
+</file>
+
+<file path=ppt/slides/slide12.xml><?xml version="1.0" encoding="utf-8"?>
+<p:sld xmlns:a="http://schemas.openxmlformats.org/drawingml/2006/main" xmlns:r="http://schemas.openxmlformats.org/officeDocument/2006/relationships" xmlns:p="http://schemas.openxmlformats.org/presentationml/2006/main" xmlns:m="http://schemas.openxmlformats.org/officeDocument/2006/math" xmlns:a14="http://schemas.microsoft.com/office/drawing/2010/main" showMasterSp="1" showMasterPhAnim="1">
+  <p:cSld>
+    <p:spTree>
+      <p:nvGrpSpPr>
+        <p:cNvPr id="1" name=""/>
+        <p:cNvGrpSpPr/>
+        <p:nvPr/>
+      </p:nvGrpSpPr>
+      <p:grpSpPr>
+        <a:xfrm>
+          <a:off x="0" y="0"/>
+          <a:ext cx="0" cy="0"/>
+          <a:chOff x="0" y="0"/>
+          <a:chExt cx="0" cy="0"/>
+        </a:xfrm>
+      </p:grpSpPr>
+      <p:sp>
+        <p:nvSpPr>
+          <p:cNvPr id="237" name="Slide Number"/>
+          <p:cNvSpPr txBox="1"/>
+          <p:nvPr>
+            <p:ph type="sldNum" sz="quarter" idx="2"/>
+          </p:nvPr>
+        </p:nvSpPr>
+        <p:spPr>
+          <a:prstGeom prst="rect">
+            <a:avLst/>
+          </a:prstGeom>
+          <a:extLst>
+            <a:ext uri="{C572A759-6A51-4108-AA02-DFA0A04FC94B}">
+              <ma14:wrappingTextBoxFlag xmlns:ma14="http://schemas.microsoft.com/office/mac/drawingml/2011/main" val="1"/>
+            </a:ext>
+          </a:extLst>
+        </p:spPr>
+        <p:txBody>
+          <a:bodyPr/>
+          <a:lstStyle/>
+          <a:p>
+            <a:pPr/>
+            <a:fld id="{86CB4B4D-7CA3-9044-876B-883B54F8677D}" type="slidenum"/>
+          </a:p>
+        </p:txBody>
+      </p:sp>
+      <p:sp>
+        <p:nvSpPr>
+          <p:cNvPr id="238" name="Shape 125"/>
           <p:cNvSpPr txBox="1"/>
           <p:nvPr/>
         </p:nvSpPr>
@@ -9165,7 +9272,7 @@
       </p:sp>
       <p:pic>
         <p:nvPicPr>
-          <p:cNvPr id="169" name="FermiChop.pdf" descr="FermiChop.pdf"/>
+          <p:cNvPr id="239" name="FermiChop.pdf" descr="FermiChop.pdf"/>
           <p:cNvPicPr>
             <a:picLocks noChangeAspect="1"/>
           </p:cNvPicPr>
@@ -9192,48 +9299,6 @@
           </a:ln>
         </p:spPr>
       </p:pic>
-      <p:sp>
-        <p:nvSpPr>
-          <p:cNvPr id="170" name="Title 1"/>
-          <p:cNvSpPr txBox="1"/>
-          <p:nvPr>
-            <p:ph type="title"/>
-          </p:nvPr>
-        </p:nvSpPr>
-        <p:spPr>
-          <a:prstGeom prst="rect">
-            <a:avLst/>
-          </a:prstGeom>
-        </p:spPr>
-        <p:txBody>
-          <a:bodyPr/>
-          <a:lstStyle/>
-          <a:p>
-            <a:pPr/>
-          </a:p>
-        </p:txBody>
-      </p:sp>
-      <p:sp>
-        <p:nvSpPr>
-          <p:cNvPr id="171" name="Text Placeholder 2"/>
-          <p:cNvSpPr txBox="1"/>
-          <p:nvPr>
-            <p:ph type="body" idx="1"/>
-          </p:nvPr>
-        </p:nvSpPr>
-        <p:spPr>
-          <a:prstGeom prst="rect">
-            <a:avLst/>
-          </a:prstGeom>
-        </p:spPr>
-        <p:txBody>
-          <a:bodyPr/>
-          <a:lstStyle/>
-          <a:p>
-            <a:pPr/>
-          </a:p>
-        </p:txBody>
-      </p:sp>
     </p:spTree>
   </p:cSld>
   <p:clrMapOvr>
@@ -9262,7 +9327,7 @@
       </p:grpSpPr>
       <p:sp>
         <p:nvSpPr>
-          <p:cNvPr id="102" name="TextBox 1"/>
+          <p:cNvPr id="166" name="TextBox 1"/>
           <p:cNvSpPr txBox="1"/>
           <p:nvPr/>
         </p:nvSpPr>
@@ -9391,7 +9456,7 @@
       </p:sp>
       <p:sp>
         <p:nvSpPr>
-          <p:cNvPr id="103" name="Rounded Rectangle 2"/>
+          <p:cNvPr id="167" name="Rounded Rectangle 2"/>
           <p:cNvSpPr/>
           <p:nvPr/>
         </p:nvSpPr>
@@ -9455,7 +9520,7 @@
       </p:sp>
       <p:sp>
         <p:nvSpPr>
-          <p:cNvPr id="104" name="Rounded Rectangle 3"/>
+          <p:cNvPr id="168" name="Rounded Rectangle 3"/>
           <p:cNvSpPr/>
           <p:nvPr/>
         </p:nvSpPr>
@@ -9496,7 +9561,7 @@
       </p:sp>
       <p:sp>
         <p:nvSpPr>
-          <p:cNvPr id="105" name="Rectangle 6"/>
+          <p:cNvPr id="169" name="Rectangle 6"/>
           <p:cNvSpPr/>
           <p:nvPr/>
         </p:nvSpPr>
@@ -9544,7 +9609,7 @@
       </p:sp>
       <p:sp>
         <p:nvSpPr>
-          <p:cNvPr id="106" name="Title 7"/>
+          <p:cNvPr id="170" name="Title 7"/>
           <p:cNvSpPr txBox="1"/>
           <p:nvPr>
             <p:ph type="title"/>
@@ -9565,7 +9630,7 @@
       </p:sp>
       <p:sp>
         <p:nvSpPr>
-          <p:cNvPr id="107" name="Slide Number"/>
+          <p:cNvPr id="171" name="Slide Number"/>
           <p:cNvSpPr txBox="1"/>
           <p:nvPr>
             <p:ph type="sldNum" sz="quarter" idx="2"/>
@@ -9618,7 +9683,7 @@
       </p:grpSpPr>
       <p:grpSp>
         <p:nvGrpSpPr>
-          <p:cNvPr id="115" name="Group 1"/>
+          <p:cNvPr id="179" name="Group 1"/>
           <p:cNvGrpSpPr/>
           <p:nvPr/>
         </p:nvGrpSpPr>
@@ -9632,7 +9697,7 @@
         </p:grpSpPr>
         <p:sp>
           <p:nvSpPr>
-            <p:cNvPr id="109" name="Shape 45"/>
+            <p:cNvPr id="173" name="Shape 45"/>
             <p:cNvSpPr/>
             <p:nvPr/>
           </p:nvSpPr>
@@ -9675,7 +9740,7 @@
         </p:sp>
         <p:sp>
           <p:nvSpPr>
-            <p:cNvPr id="110" name="Shape 52"/>
+            <p:cNvPr id="174" name="Shape 52"/>
             <p:cNvSpPr/>
             <p:nvPr/>
           </p:nvSpPr>
@@ -9721,7 +9786,7 @@
         </p:sp>
         <p:sp>
           <p:nvSpPr>
-            <p:cNvPr id="111" name="Shape 53"/>
+            <p:cNvPr id="175" name="Shape 53"/>
             <p:cNvSpPr/>
             <p:nvPr/>
           </p:nvSpPr>
@@ -9803,7 +9868,7 @@
         </p:sp>
         <p:sp>
           <p:nvSpPr>
-            <p:cNvPr id="112" name="Shape 54"/>
+            <p:cNvPr id="176" name="Shape 54"/>
             <p:cNvSpPr/>
             <p:nvPr/>
           </p:nvSpPr>
@@ -9885,7 +9950,7 @@
         </p:sp>
         <p:sp>
           <p:nvSpPr>
-            <p:cNvPr id="113" name="Shape 55"/>
+            <p:cNvPr id="177" name="Shape 55"/>
             <p:cNvSpPr/>
             <p:nvPr/>
           </p:nvSpPr>
@@ -9967,7 +10032,7 @@
         </p:sp>
         <p:sp>
           <p:nvSpPr>
-            <p:cNvPr id="114" name="Shape 56"/>
+            <p:cNvPr id="178" name="Shape 56"/>
             <p:cNvSpPr/>
             <p:nvPr/>
           </p:nvSpPr>
@@ -10050,7 +10115,7 @@
       </p:grpSp>
       <p:sp>
         <p:nvSpPr>
-          <p:cNvPr id="116" name="TextBox 8"/>
+          <p:cNvPr id="180" name="TextBox 8"/>
           <p:cNvSpPr txBox="1"/>
           <p:nvPr/>
         </p:nvSpPr>
@@ -10103,7 +10168,7 @@
       </p:sp>
       <p:sp>
         <p:nvSpPr>
-          <p:cNvPr id="117" name="TextBox 9"/>
+          <p:cNvPr id="181" name="TextBox 9"/>
           <p:cNvSpPr txBox="1"/>
           <p:nvPr/>
         </p:nvSpPr>
@@ -10148,7 +10213,7 @@
       </p:sp>
       <p:sp>
         <p:nvSpPr>
-          <p:cNvPr id="118" name="Straight Arrow Connector 12"/>
+          <p:cNvPr id="182" name="Straight Arrow Connector 12"/>
           <p:cNvSpPr/>
           <p:nvPr/>
         </p:nvSpPr>
@@ -10184,28 +10249,7 @@
       </p:sp>
       <p:sp>
         <p:nvSpPr>
-          <p:cNvPr id="119" name="Title 13"/>
-          <p:cNvSpPr txBox="1"/>
-          <p:nvPr>
-            <p:ph type="title"/>
-          </p:nvPr>
-        </p:nvSpPr>
-        <p:spPr>
-          <a:prstGeom prst="rect">
-            <a:avLst/>
-          </a:prstGeom>
-        </p:spPr>
-        <p:txBody>
-          <a:bodyPr/>
-          <a:lstStyle/>
-          <a:p>
-            <a:pPr/>
-          </a:p>
-        </p:txBody>
-      </p:sp>
-      <p:sp>
-        <p:nvSpPr>
-          <p:cNvPr id="120" name="Slide Number"/>
+          <p:cNvPr id="183" name="Slide Number"/>
           <p:cNvSpPr txBox="1"/>
           <p:nvPr>
             <p:ph type="sldNum" sz="quarter" idx="2"/>
@@ -10258,7 +10302,7 @@
       </p:grpSpPr>
       <p:pic>
         <p:nvPicPr>
-          <p:cNvPr id="122" name="Picture 1" descr="Picture 1"/>
+          <p:cNvPr id="185" name="Picture 1" descr="Picture 1"/>
           <p:cNvPicPr>
             <a:picLocks noChangeAspect="1"/>
           </p:cNvPicPr>
@@ -10287,7 +10331,7 @@
       </p:pic>
       <p:sp>
         <p:nvSpPr>
-          <p:cNvPr id="123" name="TextBox 2"/>
+          <p:cNvPr id="186" name="TextBox 2"/>
           <p:cNvSpPr txBox="1"/>
           <p:nvPr/>
         </p:nvSpPr>
@@ -10340,28 +10384,7 @@
       </p:sp>
       <p:sp>
         <p:nvSpPr>
-          <p:cNvPr id="124" name="Title 5"/>
-          <p:cNvSpPr txBox="1"/>
-          <p:nvPr>
-            <p:ph type="title"/>
-          </p:nvPr>
-        </p:nvSpPr>
-        <p:spPr>
-          <a:prstGeom prst="rect">
-            <a:avLst/>
-          </a:prstGeom>
-        </p:spPr>
-        <p:txBody>
-          <a:bodyPr/>
-          <a:lstStyle/>
-          <a:p>
-            <a:pPr/>
-          </a:p>
-        </p:txBody>
-      </p:sp>
-      <p:sp>
-        <p:nvSpPr>
-          <p:cNvPr id="125" name="Slide Number"/>
+          <p:cNvPr id="187" name="Slide Number"/>
           <p:cNvSpPr txBox="1"/>
           <p:nvPr>
             <p:ph type="sldNum" sz="quarter" idx="2"/>
@@ -10414,7 +10437,7 @@
       </p:grpSpPr>
       <p:sp>
         <p:nvSpPr>
-          <p:cNvPr id="127" name="Slide Number"/>
+          <p:cNvPr id="189" name="Slide Number"/>
           <p:cNvSpPr txBox="1"/>
           <p:nvPr>
             <p:ph type="sldNum" sz="quarter" idx="2"/>
@@ -10441,7 +10464,7 @@
       </p:sp>
       <p:pic>
         <p:nvPicPr>
-          <p:cNvPr id="128" name="Picture 11" descr="Picture 11"/>
+          <p:cNvPr id="190" name="Picture 11" descr="Picture 11"/>
           <p:cNvPicPr>
             <a:picLocks noChangeAspect="0"/>
           </p:cNvPicPr>
@@ -10470,7 +10493,7 @@
       </p:pic>
       <p:sp>
         <p:nvSpPr>
-          <p:cNvPr id="129" name="TextBox 3"/>
+          <p:cNvPr id="191" name="TextBox 3"/>
           <p:cNvSpPr txBox="1"/>
           <p:nvPr/>
         </p:nvSpPr>
@@ -10529,7 +10552,7 @@
       </p:sp>
       <p:sp>
         <p:nvSpPr>
-          <p:cNvPr id="130" name="TextBox 8"/>
+          <p:cNvPr id="192" name="TextBox 8"/>
           <p:cNvSpPr txBox="1"/>
           <p:nvPr/>
         </p:nvSpPr>
@@ -10589,7 +10612,7 @@
       </p:sp>
       <p:sp>
         <p:nvSpPr>
-          <p:cNvPr id="131" name="TextBox 9"/>
+          <p:cNvPr id="193" name="TextBox 9"/>
           <p:cNvSpPr txBox="1"/>
           <p:nvPr/>
         </p:nvSpPr>
@@ -10642,7 +10665,7 @@
       </p:sp>
       <p:grpSp>
         <p:nvGrpSpPr>
-          <p:cNvPr id="136" name="Group 10"/>
+          <p:cNvPr id="198" name="Group 10"/>
           <p:cNvGrpSpPr/>
           <p:nvPr/>
         </p:nvGrpSpPr>
@@ -10656,7 +10679,7 @@
         </p:grpSpPr>
         <p:grpSp>
           <p:nvGrpSpPr>
-            <p:cNvPr id="134" name="Group 7"/>
+            <p:cNvPr id="196" name="Group 7"/>
             <p:cNvGrpSpPr/>
             <p:nvPr/>
           </p:nvGrpSpPr>
@@ -10670,7 +10693,7 @@
           </p:grpSpPr>
           <p:pic>
             <p:nvPicPr>
-              <p:cNvPr id="132" name="Picture 5" descr="Picture 5"/>
+              <p:cNvPr id="194" name="Picture 5" descr="Picture 5"/>
               <p:cNvPicPr>
                 <a:picLocks noChangeAspect="1"/>
               </p:cNvPicPr>
@@ -10701,7 +10724,7 @@
           </p:pic>
           <p:pic>
             <p:nvPicPr>
-              <p:cNvPr id="133" name="Picture 6" descr="Picture 6"/>
+              <p:cNvPr id="195" name="Picture 6" descr="Picture 6"/>
               <p:cNvPicPr>
                 <a:picLocks noChangeAspect="1"/>
               </p:cNvPicPr>
@@ -10733,7 +10756,7 @@
         </p:grpSp>
         <p:sp>
           <p:nvSpPr>
-            <p:cNvPr id="135" name="TextBox 2"/>
+            <p:cNvPr id="197" name="TextBox 2"/>
             <p:cNvSpPr/>
             <p:nvPr/>
           </p:nvSpPr>
@@ -10845,7 +10868,7 @@
       </p:grpSpPr>
       <p:sp>
         <p:nvSpPr>
-          <p:cNvPr id="138" name="Slide Number"/>
+          <p:cNvPr id="200" name="Slide Number"/>
           <p:cNvSpPr txBox="1"/>
           <p:nvPr>
             <p:ph type="sldNum" sz="quarter" idx="2"/>
@@ -10872,7 +10895,7 @@
       </p:sp>
       <p:pic>
         <p:nvPicPr>
-          <p:cNvPr id="139" name="Picture 1" descr="Picture 1"/>
+          <p:cNvPr id="201" name="Picture 1" descr="Picture 1"/>
           <p:cNvPicPr>
             <a:picLocks noChangeAspect="1"/>
           </p:cNvPicPr>
@@ -10888,7 +10911,7 @@
         </p:blipFill>
         <p:spPr>
           <a:xfrm>
-            <a:off x="4177733" y="1188783"/>
+            <a:off x="4272125" y="941083"/>
             <a:ext cx="4257561" cy="1111232"/>
           </a:xfrm>
           <a:prstGeom prst="rect">
@@ -10901,183 +10924,13 @@
       </p:pic>
       <p:sp>
         <p:nvSpPr>
-          <p:cNvPr id="140" name="TextBox 4"/>
+          <p:cNvPr id="202" name="TextBox 16"/>
           <p:cNvSpPr txBox="1"/>
           <p:nvPr/>
         </p:nvSpPr>
         <p:spPr>
           <a:xfrm>
-            <a:off x="1876675" y="2564967"/>
-            <a:ext cx="7466756" cy="5174489"/>
-          </a:xfrm>
-          <a:prstGeom prst="rect">
-            <a:avLst/>
-          </a:prstGeom>
-          <a:ln w="12700">
-            <a:miter lim="400000"/>
-          </a:ln>
-          <a:extLst>
-            <a:ext uri="{C572A759-6A51-4108-AA02-DFA0A04FC94B}">
-              <ma14:wrappingTextBoxFlag xmlns:ma14="http://schemas.microsoft.com/office/mac/drawingml/2011/main" val="1"/>
-            </a:ext>
-          </a:extLst>
-        </p:spPr>
-        <p:txBody>
-          <a:bodyPr lIns="0" tIns="0" rIns="0" bIns="0">
-            <a:spAutoFit/>
-          </a:bodyPr>
-          <a:lstStyle/>
-          <a:p>
-            <a:pPr>
-              <a:defRPr sz="2000">
-                <a:latin typeface="Helvetica Neue"/>
-                <a:ea typeface="Helvetica Neue"/>
-                <a:cs typeface="Helvetica Neue"/>
-                <a:sym typeface="Helvetica Neue"/>
-              </a:defRPr>
-            </a:pPr>
-            <a:r>
-              <a:t>INPUT PARAMETER</a:t>
-            </a:r>
-          </a:p>
-          <a:p>
-            <a:pPr>
-              <a:defRPr sz="2000">
-                <a:latin typeface="Helvetica Neue"/>
-                <a:ea typeface="Helvetica Neue"/>
-                <a:cs typeface="Helvetica Neue"/>
-                <a:sym typeface="Helvetica Neue"/>
-              </a:defRPr>
-            </a:pPr>
-          </a:p>
-          <a:p>
-            <a:pPr>
-              <a:defRPr sz="2000">
-                <a:latin typeface="Helvetica Neue"/>
-                <a:ea typeface="Helvetica Neue"/>
-                <a:cs typeface="Helvetica Neue"/>
-                <a:sym typeface="Helvetica Neue"/>
-              </a:defRPr>
-            </a:pPr>
-            <a:r>
-              <a:t>xwidth		[m]			width entry aperture</a:t>
-            </a:r>
-          </a:p>
-          <a:p>
-            <a:pPr>
-              <a:defRPr sz="2000">
-                <a:latin typeface="Helvetica Neue"/>
-                <a:ea typeface="Helvetica Neue"/>
-                <a:cs typeface="Helvetica Neue"/>
-                <a:sym typeface="Helvetica Neue"/>
-              </a:defRPr>
-            </a:pPr>
-            <a:r>
-              <a:t>yheight	[m]			height entry aperture</a:t>
-            </a:r>
-          </a:p>
-          <a:p>
-            <a:pPr>
-              <a:defRPr sz="2000">
-                <a:latin typeface="Helvetica Neue"/>
-                <a:ea typeface="Helvetica Neue"/>
-                <a:cs typeface="Helvetica Neue"/>
-                <a:sym typeface="Helvetica Neue"/>
-              </a:defRPr>
-            </a:pPr>
-            <a:r>
-              <a:t>zdepth	[m]			housing! length</a:t>
-            </a:r>
-          </a:p>
-          <a:p>
-            <a:pPr>
-              <a:defRPr sz="2000">
-                <a:latin typeface="Helvetica Neue"/>
-                <a:ea typeface="Helvetica Neue"/>
-                <a:cs typeface="Helvetica Neue"/>
-                <a:sym typeface="Helvetica Neue"/>
-              </a:defRPr>
-            </a:pPr>
-            <a:r>
-              <a:t>length		[m]			blade length</a:t>
-            </a:r>
-          </a:p>
-          <a:p>
-            <a:pPr>
-              <a:defRPr sz="2000">
-                <a:latin typeface="Helvetica Neue"/>
-                <a:ea typeface="Helvetica Neue"/>
-                <a:cs typeface="Helvetica Neue"/>
-                <a:sym typeface="Helvetica Neue"/>
-              </a:defRPr>
-            </a:pPr>
-            <a:r>
-              <a:t>d			[m]			blade thickness</a:t>
-            </a:r>
-          </a:p>
-          <a:p>
-            <a:pPr>
-              <a:defRPr sz="2000">
-                <a:latin typeface="Helvetica Neue"/>
-                <a:ea typeface="Helvetica Neue"/>
-                <a:cs typeface="Helvetica Neue"/>
-                <a:sym typeface="Helvetica Neue"/>
-              </a:defRPr>
-            </a:pPr>
-            <a:r>
-              <a:t>alpha		[deg]		twisting angle </a:t>
-            </a:r>
-          </a:p>
-          <a:p>
-            <a:pPr>
-              <a:defRPr sz="2000">
-                <a:latin typeface="Helvetica Neue"/>
-                <a:ea typeface="Helvetica Neue"/>
-                <a:cs typeface="Helvetica Neue"/>
-                <a:sym typeface="Helvetica Neue"/>
-              </a:defRPr>
-            </a:pPr>
-            <a:r>
-              <a:t>radius		[m]			distance rotation axis – aperture centre</a:t>
-            </a:r>
-          </a:p>
-          <a:p>
-            <a:pPr>
-              <a:defRPr sz="2000">
-                <a:latin typeface="Helvetica Neue"/>
-                <a:ea typeface="Helvetica Neue"/>
-                <a:cs typeface="Helvetica Neue"/>
-                <a:sym typeface="Helvetica Neue"/>
-              </a:defRPr>
-            </a:pPr>
-            <a:r>
-              <a:t>nu 			[Hz]		rotation speed, counterclockwise</a:t>
-            </a:r>
-          </a:p>
-          <a:p>
-            <a:pPr>
-              <a:defRPr sz="2000">
-                <a:latin typeface="Helvetica Neue"/>
-                <a:ea typeface="Helvetica Neue"/>
-                <a:cs typeface="Helvetica Neue"/>
-                <a:sym typeface="Helvetica Neue"/>
-              </a:defRPr>
-            </a:pPr>
-            <a:r>
-              <a:t>nslit		[]			number of blades</a:t>
-            </a:r>
-          </a:p>
-        </p:txBody>
-      </p:sp>
-      <p:sp>
-        <p:nvSpPr>
-          <p:cNvPr id="141" name="TextBox 16"/>
-          <p:cNvSpPr txBox="1"/>
-          <p:nvPr/>
-        </p:nvSpPr>
-        <p:spPr>
-          <a:xfrm>
-            <a:off x="3834891" y="497359"/>
+            <a:off x="3929283" y="249660"/>
             <a:ext cx="4548486" cy="563430"/>
           </a:xfrm>
           <a:prstGeom prst="rect">
@@ -11122,95 +10975,26 @@
           </a:p>
         </p:txBody>
       </p:sp>
-      <p:sp>
-        <p:nvSpPr>
-          <p:cNvPr id="142" name="Right Bracket 6"/>
-          <p:cNvSpPr/>
+      <p:pic>
+        <p:nvPicPr>
+          <p:cNvPr id="203" name="Screenshot 2022-03-16 at 21.00.35.png" descr="Screenshot 2022-03-16 at 21.00.35.png"/>
+          <p:cNvPicPr>
+            <a:picLocks noChangeAspect="1"/>
+          </p:cNvPicPr>
           <p:nvPr/>
-        </p:nvSpPr>
+        </p:nvPicPr>
+        <p:blipFill>
+          <a:blip r:embed="rId3">
+            <a:extLst/>
+          </a:blip>
+          <a:stretch>
+            <a:fillRect/>
+          </a:stretch>
+        </p:blipFill>
         <p:spPr>
           <a:xfrm>
-            <a:off x="7109832" y="3361091"/>
-            <a:ext cx="75400" cy="894138"/>
-          </a:xfrm>
-          <a:custGeom>
-            <a:avLst/>
-            <a:gdLst/>
-            <a:ahLst/>
-            <a:cxnLst>
-              <a:cxn ang="0">
-                <a:pos x="wd2" y="hd2"/>
-              </a:cxn>
-              <a:cxn ang="5400000">
-                <a:pos x="wd2" y="hd2"/>
-              </a:cxn>
-              <a:cxn ang="10800000">
-                <a:pos x="wd2" y="hd2"/>
-              </a:cxn>
-              <a:cxn ang="16200000">
-                <a:pos x="wd2" y="hd2"/>
-              </a:cxn>
-            </a:cxnLst>
-            <a:rect l="0" t="0" r="r" b="b"/>
-            <a:pathLst>
-              <a:path w="21600" h="21600" fill="norm" stroke="1" extrusionOk="0">
-                <a:moveTo>
-                  <a:pt x="0" y="0"/>
-                </a:moveTo>
-                <a:cubicBezTo>
-                  <a:pt x="11929" y="0"/>
-                  <a:pt x="21600" y="68"/>
-                  <a:pt x="21600" y="152"/>
-                </a:cubicBezTo>
-                <a:lnTo>
-                  <a:pt x="21600" y="21448"/>
-                </a:lnTo>
-                <a:cubicBezTo>
-                  <a:pt x="21600" y="21532"/>
-                  <a:pt x="11929" y="21600"/>
-                  <a:pt x="0" y="21600"/>
-                </a:cubicBezTo>
-              </a:path>
-            </a:pathLst>
-          </a:custGeom>
-          <a:ln w="50800">
-            <a:solidFill>
-              <a:srgbClr val="FF0000"/>
-            </a:solidFill>
-          </a:ln>
-          <a:effectLst>
-            <a:outerShdw sx="100000" sy="100000" kx="0" ky="0" algn="b" rotWithShape="0" blurRad="25400" dist="12700" dir="5400000">
-              <a:srgbClr val="000000">
-                <a:alpha val="35000"/>
-              </a:srgbClr>
-            </a:outerShdw>
-          </a:effectLst>
-        </p:spPr>
-        <p:txBody>
-          <a:bodyPr lIns="46799" tIns="46799" rIns="46799" bIns="46799" anchor="ctr"/>
-          <a:lstStyle/>
-          <a:p>
-            <a:pPr>
-              <a:defRPr>
-                <a:latin typeface="Helvetica Neue"/>
-                <a:ea typeface="Helvetica Neue"/>
-                <a:cs typeface="Helvetica Neue"/>
-                <a:sym typeface="Helvetica Neue"/>
-              </a:defRPr>
-            </a:pPr>
-          </a:p>
-        </p:txBody>
-      </p:sp>
-      <p:sp>
-        <p:nvSpPr>
-          <p:cNvPr id="143" name="TextBox 7"/>
-          <p:cNvSpPr txBox="1"/>
-          <p:nvPr/>
-        </p:nvSpPr>
-        <p:spPr>
-          <a:xfrm>
-            <a:off x="7491366" y="3511908"/>
-            <a:ext cx="911353" cy="297689"/>
+            <a:off x="579960" y="2665399"/>
+            <a:ext cx="10795001" cy="4102101"/>
           </a:xfrm>
           <a:prstGeom prst="rect">
             <a:avLst/>
@@ -11218,37 +11002,37 @@
           <a:ln w="12700">
             <a:miter lim="400000"/>
           </a:ln>
-          <a:extLst>
-            <a:ext uri="{C572A759-6A51-4108-AA02-DFA0A04FC94B}">
-              <ma14:wrappingTextBoxFlag xmlns:ma14="http://schemas.microsoft.com/office/mac/drawingml/2011/main" val="1"/>
-            </a:ext>
-          </a:extLst>
         </p:spPr>
-        <p:txBody>
-          <a:bodyPr wrap="none" lIns="0" tIns="0" rIns="0" bIns="0">
-            <a:spAutoFit/>
-          </a:bodyPr>
-          <a:lstStyle>
-            <a:lvl1pPr>
-              <a:defRPr sz="2000">
-                <a:solidFill>
-                  <a:srgbClr val="FF0000"/>
-                </a:solidFill>
-                <a:latin typeface="Helvetica Neue"/>
-                <a:ea typeface="Helvetica Neue"/>
-                <a:cs typeface="Helvetica Neue"/>
-                <a:sym typeface="Helvetica Neue"/>
-              </a:defRPr>
-            </a:lvl1pPr>
-          </a:lstStyle>
-          <a:p>
-            <a:pPr/>
-            <a:r>
-              <a:t>housing</a:t>
-            </a:r>
-          </a:p>
-        </p:txBody>
-      </p:sp>
+      </p:pic>
+      <p:pic>
+        <p:nvPicPr>
+          <p:cNvPr id="204" name="Screenshot 2022-03-16 at 21.00.52.png" descr="Screenshot 2022-03-16 at 21.00.52.png"/>
+          <p:cNvPicPr>
+            <a:picLocks noChangeAspect="1"/>
+          </p:cNvPicPr>
+          <p:nvPr/>
+        </p:nvPicPr>
+        <p:blipFill>
+          <a:blip r:embed="rId4">
+            <a:extLst/>
+          </a:blip>
+          <a:stretch>
+            <a:fillRect/>
+          </a:stretch>
+        </p:blipFill>
+        <p:spPr>
+          <a:xfrm>
+            <a:off x="608602" y="2180309"/>
+            <a:ext cx="11189848" cy="528135"/>
+          </a:xfrm>
+          <a:prstGeom prst="rect">
+            <a:avLst/>
+          </a:prstGeom>
+          <a:ln w="12700">
+            <a:miter lim="400000"/>
+          </a:ln>
+        </p:spPr>
+      </p:pic>
     </p:spTree>
   </p:cSld>
   <p:clrMapOvr>
@@ -11277,7 +11061,303 @@
       </p:grpSpPr>
       <p:sp>
         <p:nvSpPr>
-          <p:cNvPr id="145" name="Rounded Rectangle 3"/>
+          <p:cNvPr id="206" name="Slide Number"/>
+          <p:cNvSpPr txBox="1"/>
+          <p:nvPr>
+            <p:ph type="sldNum" sz="quarter" idx="2"/>
+          </p:nvPr>
+        </p:nvSpPr>
+        <p:spPr>
+          <a:prstGeom prst="rect">
+            <a:avLst/>
+          </a:prstGeom>
+          <a:extLst>
+            <a:ext uri="{C572A759-6A51-4108-AA02-DFA0A04FC94B}">
+              <ma14:wrappingTextBoxFlag xmlns:ma14="http://schemas.microsoft.com/office/mac/drawingml/2011/main" val="1"/>
+            </a:ext>
+          </a:extLst>
+        </p:spPr>
+        <p:txBody>
+          <a:bodyPr/>
+          <a:lstStyle/>
+          <a:p>
+            <a:pPr/>
+            <a:fld id="{86CB4B4D-7CA3-9044-876B-883B54F8677D}" type="slidenum"/>
+          </a:p>
+        </p:txBody>
+      </p:sp>
+      <p:pic>
+        <p:nvPicPr>
+          <p:cNvPr id="207" name="Picture 1" descr="Picture 1"/>
+          <p:cNvPicPr>
+            <a:picLocks noChangeAspect="1"/>
+          </p:cNvPicPr>
+          <p:nvPr/>
+        </p:nvPicPr>
+        <p:blipFill>
+          <a:blip r:embed="rId2">
+            <a:extLst/>
+          </a:blip>
+          <a:stretch>
+            <a:fillRect/>
+          </a:stretch>
+        </p:blipFill>
+        <p:spPr>
+          <a:xfrm>
+            <a:off x="4272125" y="941083"/>
+            <a:ext cx="4257561" cy="1111232"/>
+          </a:xfrm>
+          <a:prstGeom prst="rect">
+            <a:avLst/>
+          </a:prstGeom>
+          <a:ln w="12700">
+            <a:miter lim="400000"/>
+          </a:ln>
+        </p:spPr>
+      </p:pic>
+      <p:sp>
+        <p:nvSpPr>
+          <p:cNvPr id="208" name="TextBox 16"/>
+          <p:cNvSpPr txBox="1"/>
+          <p:nvPr/>
+        </p:nvSpPr>
+        <p:spPr>
+          <a:xfrm>
+            <a:off x="3929283" y="249660"/>
+            <a:ext cx="4548486" cy="563430"/>
+          </a:xfrm>
+          <a:prstGeom prst="rect">
+            <a:avLst/>
+          </a:prstGeom>
+          <a:ln w="12700">
+            <a:miter lim="400000"/>
+          </a:ln>
+          <a:extLst>
+            <a:ext uri="{C572A759-6A51-4108-AA02-DFA0A04FC94B}">
+              <ma14:wrappingTextBoxFlag xmlns:ma14="http://schemas.microsoft.com/office/mac/drawingml/2011/main" val="1"/>
+            </a:ext>
+          </a:extLst>
+        </p:spPr>
+        <p:txBody>
+          <a:bodyPr wrap="none" lIns="46104" tIns="46104" rIns="46104" bIns="46104">
+            <a:spAutoFit/>
+          </a:bodyPr>
+          <a:lstStyle>
+            <a:lvl1pPr marR="36882" indent="40639" defTabSz="407733">
+              <a:lnSpc>
+                <a:spcPct val="93000"/>
+              </a:lnSpc>
+              <a:defRPr sz="3200">
+                <a:uFill>
+                  <a:solidFill>
+                    <a:srgbClr val="000000"/>
+                  </a:solidFill>
+                </a:uFill>
+                <a:latin typeface="Helvetica Neue"/>
+                <a:ea typeface="Helvetica Neue"/>
+                <a:cs typeface="Helvetica Neue"/>
+                <a:sym typeface="Helvetica Neue"/>
+              </a:defRPr>
+            </a:lvl1pPr>
+          </a:lstStyle>
+          <a:p>
+            <a:pPr/>
+            <a:r>
+              <a:t>VELOCITY SELECTORS</a:t>
+            </a:r>
+          </a:p>
+        </p:txBody>
+      </p:sp>
+      <p:pic>
+        <p:nvPicPr>
+          <p:cNvPr id="209" name="Screenshot 2022-03-16 at 21.00.35.png" descr="Screenshot 2022-03-16 at 21.00.35.png"/>
+          <p:cNvPicPr>
+            <a:picLocks noChangeAspect="1"/>
+          </p:cNvPicPr>
+          <p:nvPr/>
+        </p:nvPicPr>
+        <p:blipFill>
+          <a:blip r:embed="rId3">
+            <a:extLst/>
+          </a:blip>
+          <a:stretch>
+            <a:fillRect/>
+          </a:stretch>
+        </p:blipFill>
+        <p:spPr>
+          <a:xfrm>
+            <a:off x="579960" y="2665399"/>
+            <a:ext cx="10795001" cy="4102101"/>
+          </a:xfrm>
+          <a:prstGeom prst="rect">
+            <a:avLst/>
+          </a:prstGeom>
+          <a:ln w="12700">
+            <a:miter lim="400000"/>
+          </a:ln>
+        </p:spPr>
+      </p:pic>
+      <p:pic>
+        <p:nvPicPr>
+          <p:cNvPr id="210" name="Screenshot 2022-03-16 at 21.00.52.png" descr="Screenshot 2022-03-16 at 21.00.52.png"/>
+          <p:cNvPicPr>
+            <a:picLocks noChangeAspect="1"/>
+          </p:cNvPicPr>
+          <p:nvPr/>
+        </p:nvPicPr>
+        <p:blipFill>
+          <a:blip r:embed="rId4">
+            <a:extLst/>
+          </a:blip>
+          <a:stretch>
+            <a:fillRect/>
+          </a:stretch>
+        </p:blipFill>
+        <p:spPr>
+          <a:xfrm>
+            <a:off x="608602" y="2180309"/>
+            <a:ext cx="11189848" cy="528135"/>
+          </a:xfrm>
+          <a:prstGeom prst="rect">
+            <a:avLst/>
+          </a:prstGeom>
+          <a:ln w="12700">
+            <a:miter lim="400000"/>
+          </a:ln>
+        </p:spPr>
+      </p:pic>
+      <p:pic>
+        <p:nvPicPr>
+          <p:cNvPr id="211" name="Screenshot 2022-03-16 at 21.07.17.png" descr="Screenshot 2022-03-16 at 21.07.17.png"/>
+          <p:cNvPicPr>
+            <a:picLocks noChangeAspect="1"/>
+          </p:cNvPicPr>
+          <p:nvPr/>
+        </p:nvPicPr>
+        <p:blipFill>
+          <a:blip r:embed="rId5">
+            <a:extLst/>
+          </a:blip>
+          <a:stretch>
+            <a:fillRect/>
+          </a:stretch>
+        </p:blipFill>
+        <p:spPr>
+          <a:xfrm>
+            <a:off x="6086117" y="-62827"/>
+            <a:ext cx="6363663" cy="6034508"/>
+          </a:xfrm>
+          <a:prstGeom prst="rect">
+            <a:avLst/>
+          </a:prstGeom>
+          <a:ln w="12700">
+            <a:miter lim="400000"/>
+          </a:ln>
+        </p:spPr>
+      </p:pic>
+      <p:sp>
+        <p:nvSpPr>
+          <p:cNvPr id="212" name="Line"/>
+          <p:cNvSpPr/>
+          <p:nvPr/>
+        </p:nvSpPr>
+        <p:spPr>
+          <a:xfrm flipV="1">
+            <a:off x="3897458" y="2204524"/>
+            <a:ext cx="6656538" cy="2008475"/>
+          </a:xfrm>
+          <a:prstGeom prst="line">
+            <a:avLst/>
+          </a:prstGeom>
+          <a:ln w="25400">
+            <a:solidFill>
+              <a:schemeClr val="accent1"/>
+            </a:solidFill>
+            <a:tailEnd type="triangle"/>
+          </a:ln>
+          <a:effectLst>
+            <a:outerShdw sx="100000" sy="100000" kx="0" ky="0" algn="b" rotWithShape="0" blurRad="38100" dist="20000" dir="5400000">
+              <a:srgbClr val="000000">
+                <a:alpha val="38000"/>
+              </a:srgbClr>
+            </a:outerShdw>
+          </a:effectLst>
+        </p:spPr>
+        <p:txBody>
+          <a:bodyPr lIns="45719" rIns="45719"/>
+          <a:lstStyle/>
+          <a:p>
+            <a:pPr/>
+          </a:p>
+        </p:txBody>
+      </p:sp>
+      <p:sp>
+        <p:nvSpPr>
+          <p:cNvPr id="213" name="Line"/>
+          <p:cNvSpPr/>
+          <p:nvPr/>
+        </p:nvSpPr>
+        <p:spPr>
+          <a:xfrm>
+            <a:off x="10557066" y="1749653"/>
+            <a:ext cx="1338799" cy="1"/>
+          </a:xfrm>
+          <a:prstGeom prst="line">
+            <a:avLst/>
+          </a:prstGeom>
+          <a:ln w="25400">
+            <a:solidFill>
+              <a:schemeClr val="accent1"/>
+            </a:solidFill>
+            <a:miter lim="400000"/>
+            <a:headEnd type="triangle" len="sm"/>
+            <a:tailEnd type="triangle" len="sm"/>
+          </a:ln>
+          <a:effectLst>
+            <a:outerShdw sx="100000" sy="100000" kx="0" ky="0" algn="b" rotWithShape="0" blurRad="38100" dist="20000" dir="5400000">
+              <a:srgbClr val="000000">
+                <a:alpha val="38000"/>
+              </a:srgbClr>
+            </a:outerShdw>
+          </a:effectLst>
+        </p:spPr>
+        <p:txBody>
+          <a:bodyPr lIns="45719" rIns="45719"/>
+          <a:lstStyle/>
+          <a:p>
+            <a:pPr/>
+          </a:p>
+        </p:txBody>
+      </p:sp>
+    </p:spTree>
+  </p:cSld>
+  <p:clrMapOvr>
+    <a:masterClrMapping/>
+  </p:clrMapOvr>
+  <p:transition xmlns:p14="http://schemas.microsoft.com/office/powerpoint/2010/main" spd="med" advClick="1"/>
+</p:sld>
+</file>
+
+<file path=ppt/slides/slide8.xml><?xml version="1.0" encoding="utf-8"?>
+<p:sld xmlns:a="http://schemas.openxmlformats.org/drawingml/2006/main" xmlns:r="http://schemas.openxmlformats.org/officeDocument/2006/relationships" xmlns:p="http://schemas.openxmlformats.org/presentationml/2006/main" xmlns:m="http://schemas.openxmlformats.org/officeDocument/2006/math" xmlns:a14="http://schemas.microsoft.com/office/drawing/2010/main" showMasterSp="1" showMasterPhAnim="1">
+  <p:cSld>
+    <p:spTree>
+      <p:nvGrpSpPr>
+        <p:cNvPr id="1" name=""/>
+        <p:cNvGrpSpPr/>
+        <p:nvPr/>
+      </p:nvGrpSpPr>
+      <p:grpSpPr>
+        <a:xfrm>
+          <a:off x="0" y="0"/>
+          <a:ext cx="0" cy="0"/>
+          <a:chOff x="0" y="0"/>
+          <a:chExt cx="0" cy="0"/>
+        </a:xfrm>
+      </p:grpSpPr>
+      <p:sp>
+        <p:nvSpPr>
+          <p:cNvPr id="215" name="Rounded Rectangle 3"/>
           <p:cNvSpPr/>
           <p:nvPr/>
         </p:nvSpPr>
@@ -11341,7 +11421,7 @@
       </p:sp>
       <p:sp>
         <p:nvSpPr>
-          <p:cNvPr id="146" name="Title 1"/>
+          <p:cNvPr id="216" name="Title 1"/>
           <p:cNvSpPr txBox="1"/>
           <p:nvPr>
             <p:ph type="title"/>
@@ -11369,7 +11449,7 @@
       </p:sp>
       <p:sp>
         <p:nvSpPr>
-          <p:cNvPr id="147" name="Slide Number"/>
+          <p:cNvPr id="217" name="Slide Number"/>
           <p:cNvSpPr txBox="1"/>
           <p:nvPr>
             <p:ph type="sldNum" sz="quarter" idx="2"/>
@@ -11396,7 +11476,7 @@
       </p:sp>
       <p:sp>
         <p:nvSpPr>
-          <p:cNvPr id="148" name="Rounded Rectangle 12"/>
+          <p:cNvPr id="218" name="Rounded Rectangle 12"/>
           <p:cNvSpPr/>
           <p:nvPr/>
         </p:nvSpPr>
@@ -11460,7 +11540,7 @@
       </p:sp>
       <p:sp>
         <p:nvSpPr>
-          <p:cNvPr id="149" name="Rounded Rectangle 13"/>
+          <p:cNvPr id="219" name="Rounded Rectangle 13"/>
           <p:cNvSpPr/>
           <p:nvPr/>
         </p:nvSpPr>
@@ -11524,7 +11604,7 @@
       </p:sp>
       <p:sp>
         <p:nvSpPr>
-          <p:cNvPr id="150" name="Rounded Rectangle 14"/>
+          <p:cNvPr id="220" name="Rounded Rectangle 14"/>
           <p:cNvSpPr/>
           <p:nvPr/>
         </p:nvSpPr>
@@ -11588,7 +11668,7 @@
       </p:sp>
       <p:sp>
         <p:nvSpPr>
-          <p:cNvPr id="151" name="Rectangle 15"/>
+          <p:cNvPr id="221" name="Rectangle 15"/>
           <p:cNvSpPr/>
           <p:nvPr/>
         </p:nvSpPr>
@@ -11636,7 +11716,7 @@
       </p:sp>
       <p:sp>
         <p:nvSpPr>
-          <p:cNvPr id="152" name="TextBox 16"/>
+          <p:cNvPr id="222" name="TextBox 16"/>
           <p:cNvSpPr txBox="1"/>
           <p:nvPr/>
         </p:nvSpPr>
@@ -11706,162 +11786,6 @@
             </a:pPr>
             <a:r>
               <a:t>Time Of Flight (TOF) measurements</a:t>
-            </a:r>
-          </a:p>
-        </p:txBody>
-      </p:sp>
-    </p:spTree>
-  </p:cSld>
-  <p:clrMapOvr>
-    <a:masterClrMapping/>
-  </p:clrMapOvr>
-  <p:transition xmlns:p14="http://schemas.microsoft.com/office/powerpoint/2010/main" spd="med" advClick="1"/>
-</p:sld>
-</file>
-
-<file path=ppt/slides/slide8.xml><?xml version="1.0" encoding="utf-8"?>
-<p:sld xmlns:a="http://schemas.openxmlformats.org/drawingml/2006/main" xmlns:r="http://schemas.openxmlformats.org/officeDocument/2006/relationships" xmlns:p="http://schemas.openxmlformats.org/presentationml/2006/main" xmlns:m="http://schemas.openxmlformats.org/officeDocument/2006/math" xmlns:a14="http://schemas.microsoft.com/office/drawing/2010/main" showMasterSp="1" showMasterPhAnim="1">
-  <p:cSld>
-    <p:spTree>
-      <p:nvGrpSpPr>
-        <p:cNvPr id="1" name=""/>
-        <p:cNvGrpSpPr/>
-        <p:nvPr/>
-      </p:nvGrpSpPr>
-      <p:grpSpPr>
-        <a:xfrm>
-          <a:off x="0" y="0"/>
-          <a:ext cx="0" cy="0"/>
-          <a:chOff x="0" y="0"/>
-          <a:chExt cx="0" cy="0"/>
-        </a:xfrm>
-      </p:grpSpPr>
-      <p:sp>
-        <p:nvSpPr>
-          <p:cNvPr id="154" name="Slide Number"/>
-          <p:cNvSpPr txBox="1"/>
-          <p:nvPr>
-            <p:ph type="sldNum" sz="quarter" idx="2"/>
-          </p:nvPr>
-        </p:nvSpPr>
-        <p:spPr>
-          <a:prstGeom prst="rect">
-            <a:avLst/>
-          </a:prstGeom>
-          <a:extLst>
-            <a:ext uri="{C572A759-6A51-4108-AA02-DFA0A04FC94B}">
-              <ma14:wrappingTextBoxFlag xmlns:ma14="http://schemas.microsoft.com/office/mac/drawingml/2011/main" val="1"/>
-            </a:ext>
-          </a:extLst>
-        </p:spPr>
-        <p:txBody>
-          <a:bodyPr/>
-          <a:lstStyle/>
-          <a:p>
-            <a:pPr/>
-            <a:fld id="{86CB4B4D-7CA3-9044-876B-883B54F8677D}" type="slidenum"/>
-          </a:p>
-        </p:txBody>
-      </p:sp>
-      <p:pic>
-        <p:nvPicPr>
-          <p:cNvPr id="155" name="DiskChop1.pdf" descr="DiskChop1.pdf"/>
-          <p:cNvPicPr>
-            <a:picLocks noChangeAspect="1"/>
-          </p:cNvPicPr>
-          <p:nvPr/>
-        </p:nvPicPr>
-        <p:blipFill>
-          <a:blip r:embed="rId2">
-            <a:extLst/>
-          </a:blip>
-          <a:stretch>
-            <a:fillRect/>
-          </a:stretch>
-        </p:blipFill>
-        <p:spPr>
-          <a:xfrm>
-            <a:off x="1519571" y="1234240"/>
-            <a:ext cx="4377473" cy="4188790"/>
-          </a:xfrm>
-          <a:prstGeom prst="rect">
-            <a:avLst/>
-          </a:prstGeom>
-          <a:ln w="12700">
-            <a:miter lim="400000"/>
-          </a:ln>
-        </p:spPr>
-      </p:pic>
-      <p:pic>
-        <p:nvPicPr>
-          <p:cNvPr id="156" name="r&amp;d2-2.jpg" descr="r&amp;d2-2.jpg"/>
-          <p:cNvPicPr>
-            <a:picLocks noChangeAspect="1"/>
-          </p:cNvPicPr>
-          <p:nvPr/>
-        </p:nvPicPr>
-        <p:blipFill>
-          <a:blip r:embed="rId3">
-            <a:extLst/>
-          </a:blip>
-          <a:stretch>
-            <a:fillRect/>
-          </a:stretch>
-        </p:blipFill>
-        <p:spPr>
-          <a:xfrm>
-            <a:off x="5987248" y="1543508"/>
-            <a:ext cx="3826649" cy="2869988"/>
-          </a:xfrm>
-          <a:prstGeom prst="rect">
-            <a:avLst/>
-          </a:prstGeom>
-          <a:ln w="12700">
-            <a:miter lim="400000"/>
-          </a:ln>
-        </p:spPr>
-      </p:pic>
-      <p:sp>
-        <p:nvSpPr>
-          <p:cNvPr id="157" name="Title 1"/>
-          <p:cNvSpPr txBox="1"/>
-          <p:nvPr/>
-        </p:nvSpPr>
-        <p:spPr>
-          <a:xfrm>
-            <a:off x="1519571" y="110814"/>
-            <a:ext cx="8232759" cy="421844"/>
-          </a:xfrm>
-          <a:prstGeom prst="rect">
-            <a:avLst/>
-          </a:prstGeom>
-          <a:ln w="12700">
-            <a:miter lim="400000"/>
-          </a:ln>
-          <a:extLst>
-            <a:ext uri="{C572A759-6A51-4108-AA02-DFA0A04FC94B}">
-              <ma14:wrappingTextBoxFlag xmlns:ma14="http://schemas.microsoft.com/office/mac/drawingml/2011/main" val="1"/>
-            </a:ext>
-          </a:extLst>
-        </p:spPr>
-        <p:txBody>
-          <a:bodyPr lIns="0" tIns="0" rIns="0" bIns="0">
-            <a:spAutoFit/>
-          </a:bodyPr>
-          <a:lstStyle>
-            <a:lvl1pPr>
-              <a:defRPr sz="2800">
-                <a:latin typeface="Helvetica Neue"/>
-                <a:ea typeface="Helvetica Neue"/>
-                <a:cs typeface="Helvetica Neue"/>
-                <a:sym typeface="Helvetica Neue"/>
-              </a:defRPr>
-            </a:lvl1pPr>
-          </a:lstStyle>
-          <a:p>
-            <a:pPr/>
-            <a:r>
-              <a:t>DISK CHOPPER</a:t>
             </a:r>
           </a:p>
         </p:txBody>
@@ -11894,7 +11818,7 @@
       </p:grpSpPr>
       <p:sp>
         <p:nvSpPr>
-          <p:cNvPr id="159" name="Slide Number"/>
+          <p:cNvPr id="224" name="Slide Number"/>
           <p:cNvSpPr txBox="1"/>
           <p:nvPr>
             <p:ph type="sldNum" sz="quarter" idx="2"/>
@@ -11919,16 +11843,26 @@
           </a:p>
         </p:txBody>
       </p:sp>
-      <p:sp>
-        <p:nvSpPr>
-          <p:cNvPr id="160" name="TextBox 4"/>
-          <p:cNvSpPr txBox="1"/>
+      <p:pic>
+        <p:nvPicPr>
+          <p:cNvPr id="225" name="DiskChop1.pdf" descr="DiskChop1.pdf"/>
+          <p:cNvPicPr>
+            <a:picLocks noChangeAspect="1"/>
+          </p:cNvPicPr>
           <p:nvPr/>
-        </p:nvSpPr>
+        </p:nvPicPr>
+        <p:blipFill>
+          <a:blip r:embed="rId2">
+            <a:extLst/>
+          </a:blip>
+          <a:stretch>
+            <a:fillRect/>
+          </a:stretch>
+        </p:blipFill>
         <p:spPr>
           <a:xfrm>
-            <a:off x="1796196" y="1250694"/>
-            <a:ext cx="8006441" cy="7612889"/>
+            <a:off x="1519571" y="1234240"/>
+            <a:ext cx="4377473" cy="4188790"/>
           </a:xfrm>
           <a:prstGeom prst="rect">
             <a:avLst/>
@@ -11936,208 +11870,40 @@
           <a:ln w="12700">
             <a:miter lim="400000"/>
           </a:ln>
-          <a:extLst>
-            <a:ext uri="{C572A759-6A51-4108-AA02-DFA0A04FC94B}">
-              <ma14:wrappingTextBoxFlag xmlns:ma14="http://schemas.microsoft.com/office/mac/drawingml/2011/main" val="1"/>
-            </a:ext>
-          </a:extLst>
         </p:spPr>
-        <p:txBody>
-          <a:bodyPr lIns="0" tIns="0" rIns="0" bIns="0">
-            <a:spAutoFit/>
-          </a:bodyPr>
-          <a:lstStyle/>
-          <a:p>
-            <a:pPr>
-              <a:defRPr sz="2000">
-                <a:latin typeface="Helvetica Neue"/>
-                <a:ea typeface="Helvetica Neue"/>
-                <a:cs typeface="Helvetica Neue"/>
-                <a:sym typeface="Helvetica Neue"/>
-              </a:defRPr>
-            </a:pPr>
-            <a:r>
-              <a:t>INPUT PARAMETER</a:t>
-            </a:r>
-          </a:p>
-          <a:p>
-            <a:pPr>
-              <a:defRPr sz="2000">
-                <a:latin typeface="Helvetica Neue"/>
-                <a:ea typeface="Helvetica Neue"/>
-                <a:cs typeface="Helvetica Neue"/>
-                <a:sym typeface="Helvetica Neue"/>
-              </a:defRPr>
-            </a:pPr>
-            <a:r>
-              <a:t>nu 			[Hz]		frequency</a:t>
-            </a:r>
-          </a:p>
-          <a:p>
-            <a:pPr>
-              <a:defRPr sz="2000">
-                <a:latin typeface="Helvetica Neue"/>
-                <a:ea typeface="Helvetica Neue"/>
-                <a:cs typeface="Helvetica Neue"/>
-                <a:sym typeface="Helvetica Neue"/>
-              </a:defRPr>
-            </a:pPr>
-            <a:r>
-              <a:t>yheight	[m]			slit height (if 0, yheight = radius)</a:t>
-            </a:r>
-          </a:p>
-          <a:p>
-            <a:pPr>
-              <a:defRPr sz="2000">
-                <a:latin typeface="Helvetica Neue"/>
-                <a:ea typeface="Helvetica Neue"/>
-                <a:cs typeface="Helvetica Neue"/>
-                <a:sym typeface="Helvetica Neue"/>
-              </a:defRPr>
-            </a:pPr>
-            <a:r>
-              <a:t>radius		[m]			disk radius</a:t>
-            </a:r>
-          </a:p>
-          <a:p>
-            <a:pPr>
-              <a:defRPr sz="2000">
-                <a:latin typeface="Helvetica Neue"/>
-                <a:ea typeface="Helvetica Neue"/>
-                <a:cs typeface="Helvetica Neue"/>
-                <a:sym typeface="Helvetica Neue"/>
-              </a:defRPr>
-            </a:pPr>
-          </a:p>
-          <a:p>
-            <a:pPr>
-              <a:defRPr sz="2000">
-                <a:latin typeface="Helvetica Neue"/>
-                <a:ea typeface="Helvetica Neue"/>
-                <a:cs typeface="Helvetica Neue"/>
-                <a:sym typeface="Helvetica Neue"/>
-              </a:defRPr>
-            </a:pPr>
-            <a:r>
-              <a:t>theta_0	[deg]		angular width of slits</a:t>
-            </a:r>
-          </a:p>
-          <a:p>
-            <a:pPr>
-              <a:defRPr sz="2000">
-                <a:latin typeface="Helvetica Neue"/>
-                <a:ea typeface="Helvetica Neue"/>
-                <a:cs typeface="Helvetica Neue"/>
-                <a:sym typeface="Helvetica Neue"/>
-              </a:defRPr>
-            </a:pPr>
-            <a:r>
-              <a:t>xwidth		[m]			horizontal slit width opening, beam center</a:t>
-            </a:r>
-          </a:p>
-          <a:p>
-            <a:pPr>
-              <a:defRPr sz="2000">
-                <a:latin typeface="Helvetica Neue"/>
-                <a:ea typeface="Helvetica Neue"/>
-                <a:cs typeface="Helvetica Neue"/>
-                <a:sym typeface="Helvetica Neue"/>
-              </a:defRPr>
-            </a:pPr>
-          </a:p>
-          <a:p>
-            <a:pPr>
-              <a:defRPr sz="2000">
-                <a:latin typeface="Helvetica Neue"/>
-                <a:ea typeface="Helvetica Neue"/>
-                <a:cs typeface="Helvetica Neue"/>
-                <a:sym typeface="Helvetica Neue"/>
-              </a:defRPr>
-            </a:pPr>
-            <a:r>
-              <a:t>jitter 		[s]			jitter in time phase</a:t>
-            </a:r>
-          </a:p>
-          <a:p>
-            <a:pPr>
-              <a:defRPr sz="2000">
-                <a:latin typeface="Helvetica Neue"/>
-                <a:ea typeface="Helvetica Neue"/>
-                <a:cs typeface="Helvetica Neue"/>
-                <a:sym typeface="Helvetica Neue"/>
-              </a:defRPr>
-            </a:pPr>
-            <a:r>
-              <a:t>delay		[s]			time delay</a:t>
-            </a:r>
-          </a:p>
-          <a:p>
-            <a:pPr>
-              <a:defRPr sz="2000">
-                <a:latin typeface="Helvetica Neue"/>
-                <a:ea typeface="Helvetica Neue"/>
-                <a:cs typeface="Helvetica Neue"/>
-                <a:sym typeface="Helvetica Neue"/>
-              </a:defRPr>
-            </a:pPr>
-            <a:r>
-              <a:t>phase		[deg]		angular delay, overrides time	</a:t>
-            </a:r>
-          </a:p>
-          <a:p>
-            <a:pPr>
-              <a:defRPr sz="2000">
-                <a:latin typeface="Helvetica Neue"/>
-                <a:ea typeface="Helvetica Neue"/>
-                <a:cs typeface="Helvetica Neue"/>
-                <a:sym typeface="Helvetica Neue"/>
-              </a:defRPr>
-            </a:pPr>
-            <a:r>
-              <a:t>Isfirst		[0/1]		several choppers, defines first chopper</a:t>
-            </a:r>
-          </a:p>
-          <a:p>
-            <a:pPr>
-              <a:defRPr sz="2000">
-                <a:latin typeface="Helvetica Neue"/>
-                <a:ea typeface="Helvetica Neue"/>
-                <a:cs typeface="Helvetica Neue"/>
-                <a:sym typeface="Helvetica Neue"/>
-              </a:defRPr>
-            </a:pPr>
-            <a:r>
-              <a:t>npulse		[1]			number of pulses if isfirst=true</a:t>
-            </a:r>
-          </a:p>
-          <a:p>
-            <a:pPr>
-              <a:defRPr sz="2000">
-                <a:latin typeface="Helvetica Neue"/>
-                <a:ea typeface="Helvetica Neue"/>
-                <a:cs typeface="Helvetica Neue"/>
-                <a:sym typeface="Helvetica Neue"/>
-              </a:defRPr>
-            </a:pPr>
-          </a:p>
-          <a:p>
-            <a:pPr>
-              <a:defRPr sz="2000">
-                <a:latin typeface="Helvetica Neue"/>
-                <a:ea typeface="Helvetica Neue"/>
-                <a:cs typeface="Helvetica Neue"/>
-                <a:sym typeface="Helvetica Neue"/>
-              </a:defRPr>
-            </a:pPr>
-            <a:r>
-              <a:t>verbose	[1]			display disk chopper config</a:t>
-            </a:r>
-          </a:p>
-        </p:txBody>
-      </p:sp>
+      </p:pic>
+      <p:pic>
+        <p:nvPicPr>
+          <p:cNvPr id="226" name="r&amp;d2-2.jpg" descr="r&amp;d2-2.jpg"/>
+          <p:cNvPicPr>
+            <a:picLocks noChangeAspect="1"/>
+          </p:cNvPicPr>
+          <p:nvPr/>
+        </p:nvPicPr>
+        <p:blipFill>
+          <a:blip r:embed="rId3">
+            <a:extLst/>
+          </a:blip>
+          <a:stretch>
+            <a:fillRect/>
+          </a:stretch>
+        </p:blipFill>
+        <p:spPr>
+          <a:xfrm>
+            <a:off x="5987248" y="1543508"/>
+            <a:ext cx="3826649" cy="2869988"/>
+          </a:xfrm>
+          <a:prstGeom prst="rect">
+            <a:avLst/>
+          </a:prstGeom>
+          <a:ln w="12700">
+            <a:miter lim="400000"/>
+          </a:ln>
+        </p:spPr>
+      </p:pic>
       <p:sp>
         <p:nvSpPr>
-          <p:cNvPr id="161" name="Title 1"/>
+          <p:cNvPr id="227" name="Title 1"/>
           <p:cNvSpPr txBox="1"/>
           <p:nvPr/>
         </p:nvSpPr>
@@ -12245,30 +12011,72 @@
     <a:fmtScheme name="Blank">
       <a:fillStyleLst>
         <a:solidFill>
-          <a:srgbClr val="FFFFFF"/>
+          <a:schemeClr val="phClr"/>
         </a:solidFill>
-        <a:solidFill>
-          <a:srgbClr val="FFFFFF"/>
-        </a:solidFill>
-        <a:solidFill>
-          <a:srgbClr val="FFFFFF"/>
-        </a:solidFill>
+        <a:gradFill rotWithShape="1">
+          <a:gsLst>
+            <a:gs pos="0">
+              <a:schemeClr val="phClr">
+                <a:tint val="50000"/>
+                <a:satMod val="300000"/>
+              </a:schemeClr>
+            </a:gs>
+            <a:gs pos="35000">
+              <a:schemeClr val="phClr">
+                <a:tint val="37000"/>
+                <a:satMod val="300000"/>
+              </a:schemeClr>
+            </a:gs>
+            <a:gs pos="100000">
+              <a:schemeClr val="phClr">
+                <a:tint val="15000"/>
+                <a:satMod val="350000"/>
+              </a:schemeClr>
+            </a:gs>
+          </a:gsLst>
+          <a:lin ang="16200000" scaled="1"/>
+        </a:gradFill>
+        <a:gradFill rotWithShape="1">
+          <a:gsLst>
+            <a:gs pos="0">
+              <a:schemeClr val="phClr">
+                <a:tint val="100000"/>
+                <a:shade val="100000"/>
+                <a:satMod val="129999"/>
+              </a:schemeClr>
+            </a:gs>
+            <a:gs pos="100000">
+              <a:schemeClr val="phClr">
+                <a:tint val="50000"/>
+                <a:shade val="100000"/>
+                <a:satMod val="350000"/>
+              </a:schemeClr>
+            </a:gs>
+          </a:gsLst>
+          <a:lin ang="16200000" scaled="0"/>
+        </a:gradFill>
       </a:fillStyleLst>
       <a:lnStyleLst>
-        <a:ln>
+        <a:ln w="9525" cap="flat" cmpd="sng" algn="ctr">
           <a:solidFill>
-            <a:srgbClr val="000000"/>
+            <a:schemeClr val="phClr">
+              <a:shade val="95000"/>
+              <a:satMod val="104999"/>
+            </a:schemeClr>
           </a:solidFill>
+          <a:prstDash val="solid"/>
         </a:ln>
-        <a:ln>
+        <a:ln w="25400" cap="flat" cmpd="sng" algn="ctr">
           <a:solidFill>
-            <a:srgbClr val="000000"/>
+            <a:schemeClr val="phClr"/>
           </a:solidFill>
+          <a:prstDash val="solid"/>
         </a:ln>
-        <a:ln>
+        <a:ln w="38100" cap="flat" cmpd="sng" algn="ctr">
           <a:solidFill>
-            <a:srgbClr val="000000"/>
+            <a:schemeClr val="phClr"/>
           </a:solidFill>
+          <a:prstDash val="solid"/>
         </a:ln>
       </a:lnStyleLst>
       <a:effectStyleLst>
@@ -12290,14 +12098,53 @@
       </a:effectStyleLst>
       <a:bgFillStyleLst>
         <a:solidFill>
-          <a:srgbClr val="FFFFFF"/>
+          <a:schemeClr val="phClr"/>
         </a:solidFill>
-        <a:solidFill>
-          <a:srgbClr val="FFFFFF"/>
-        </a:solidFill>
-        <a:solidFill>
-          <a:srgbClr val="FFFFFF"/>
-        </a:solidFill>
+        <a:gradFill rotWithShape="1">
+          <a:gsLst>
+            <a:gs pos="0">
+              <a:schemeClr val="phClr">
+                <a:tint val="40000"/>
+                <a:satMod val="350000"/>
+              </a:schemeClr>
+            </a:gs>
+            <a:gs pos="40000">
+              <a:schemeClr val="phClr">
+                <a:tint val="45000"/>
+                <a:shade val="99000"/>
+                <a:satMod val="350000"/>
+              </a:schemeClr>
+            </a:gs>
+            <a:gs pos="100000">
+              <a:schemeClr val="phClr">
+                <a:shade val="20000"/>
+                <a:satMod val="255000"/>
+              </a:schemeClr>
+            </a:gs>
+          </a:gsLst>
+          <a:path path="circle">
+            <a:fillToRect l="50000" t="-80000" r="50000" b="180000"/>
+          </a:path>
+        </a:gradFill>
+        <a:gradFill rotWithShape="1">
+          <a:gsLst>
+            <a:gs pos="0">
+              <a:schemeClr val="phClr">
+                <a:tint val="80000"/>
+                <a:satMod val="300000"/>
+              </a:schemeClr>
+            </a:gs>
+            <a:gs pos="100000">
+              <a:schemeClr val="phClr">
+                <a:shade val="30000"/>
+                <a:satMod val="200000"/>
+              </a:schemeClr>
+            </a:gs>
+          </a:gsLst>
+          <a:path path="circle">
+            <a:fillToRect l="50000" t="50000" r="50000" b="50000"/>
+          </a:path>
+        </a:gradFill>
       </a:bgFillStyleLst>
     </a:fmtScheme>
   </a:themeElements>
@@ -13230,30 +13077,72 @@
     <a:fmtScheme name="Blank">
       <a:fillStyleLst>
         <a:solidFill>
-          <a:srgbClr val="FFFFFF"/>
+          <a:schemeClr val="phClr"/>
         </a:solidFill>
-        <a:solidFill>
-          <a:srgbClr val="FFFFFF"/>
-        </a:solidFill>
-        <a:solidFill>
-          <a:srgbClr val="FFFFFF"/>
-        </a:solidFill>
+        <a:gradFill rotWithShape="1">
+          <a:gsLst>
+            <a:gs pos="0">
+              <a:schemeClr val="phClr">
+                <a:tint val="50000"/>
+                <a:satMod val="300000"/>
+              </a:schemeClr>
+            </a:gs>
+            <a:gs pos="35000">
+              <a:schemeClr val="phClr">
+                <a:tint val="37000"/>
+                <a:satMod val="300000"/>
+              </a:schemeClr>
+            </a:gs>
+            <a:gs pos="100000">
+              <a:schemeClr val="phClr">
+                <a:tint val="15000"/>
+                <a:satMod val="350000"/>
+              </a:schemeClr>
+            </a:gs>
+          </a:gsLst>
+          <a:lin ang="16200000" scaled="1"/>
+        </a:gradFill>
+        <a:gradFill rotWithShape="1">
+          <a:gsLst>
+            <a:gs pos="0">
+              <a:schemeClr val="phClr">
+                <a:tint val="100000"/>
+                <a:shade val="100000"/>
+                <a:satMod val="129999"/>
+              </a:schemeClr>
+            </a:gs>
+            <a:gs pos="100000">
+              <a:schemeClr val="phClr">
+                <a:tint val="50000"/>
+                <a:shade val="100000"/>
+                <a:satMod val="350000"/>
+              </a:schemeClr>
+            </a:gs>
+          </a:gsLst>
+          <a:lin ang="16200000" scaled="0"/>
+        </a:gradFill>
       </a:fillStyleLst>
       <a:lnStyleLst>
-        <a:ln>
+        <a:ln w="9525" cap="flat" cmpd="sng" algn="ctr">
           <a:solidFill>
-            <a:srgbClr val="000000"/>
+            <a:schemeClr val="phClr">
+              <a:shade val="95000"/>
+              <a:satMod val="104999"/>
+            </a:schemeClr>
           </a:solidFill>
+          <a:prstDash val="solid"/>
         </a:ln>
-        <a:ln>
+        <a:ln w="25400" cap="flat" cmpd="sng" algn="ctr">
           <a:solidFill>
-            <a:srgbClr val="000000"/>
+            <a:schemeClr val="phClr"/>
           </a:solidFill>
+          <a:prstDash val="solid"/>
         </a:ln>
-        <a:ln>
+        <a:ln w="38100" cap="flat" cmpd="sng" algn="ctr">
           <a:solidFill>
-            <a:srgbClr val="000000"/>
+            <a:schemeClr val="phClr"/>
           </a:solidFill>
+          <a:prstDash val="solid"/>
         </a:ln>
       </a:lnStyleLst>
       <a:effectStyleLst>
@@ -13275,14 +13164,53 @@
       </a:effectStyleLst>
       <a:bgFillStyleLst>
         <a:solidFill>
-          <a:srgbClr val="FFFFFF"/>
+          <a:schemeClr val="phClr"/>
         </a:solidFill>
-        <a:solidFill>
-          <a:srgbClr val="FFFFFF"/>
-        </a:solidFill>
-        <a:solidFill>
-          <a:srgbClr val="FFFFFF"/>
-        </a:solidFill>
+        <a:gradFill rotWithShape="1">
+          <a:gsLst>
+            <a:gs pos="0">
+              <a:schemeClr val="phClr">
+                <a:tint val="40000"/>
+                <a:satMod val="350000"/>
+              </a:schemeClr>
+            </a:gs>
+            <a:gs pos="40000">
+              <a:schemeClr val="phClr">
+                <a:tint val="45000"/>
+                <a:shade val="99000"/>
+                <a:satMod val="350000"/>
+              </a:schemeClr>
+            </a:gs>
+            <a:gs pos="100000">
+              <a:schemeClr val="phClr">
+                <a:shade val="20000"/>
+                <a:satMod val="255000"/>
+              </a:schemeClr>
+            </a:gs>
+          </a:gsLst>
+          <a:path path="circle">
+            <a:fillToRect l="50000" t="-80000" r="50000" b="180000"/>
+          </a:path>
+        </a:gradFill>
+        <a:gradFill rotWithShape="1">
+          <a:gsLst>
+            <a:gs pos="0">
+              <a:schemeClr val="phClr">
+                <a:tint val="80000"/>
+                <a:satMod val="300000"/>
+              </a:schemeClr>
+            </a:gs>
+            <a:gs pos="100000">
+              <a:schemeClr val="phClr">
+                <a:shade val="30000"/>
+                <a:satMod val="200000"/>
+              </a:schemeClr>
+            </a:gs>
+          </a:gsLst>
+          <a:path path="circle">
+            <a:fillToRect l="50000" t="50000" r="50000" b="50000"/>
+          </a:path>
+        </a:gradFill>
       </a:bgFillStyleLst>
     </a:fmtScheme>
   </a:themeElements>
